--- a/ppt/중간발표.pptx
+++ b/ppt/중간발표.pptx
@@ -132,6 +132,10 @@
 </p:presentation>
 </file>
 
+<file path=ppt/revisionInfo.xml><?xml version="1.0" encoding="utf-8"?>
+<p1510:revInfo xmlns:a="http://schemas.openxmlformats.org/drawingml/2006/main" xmlns:r="http://schemas.openxmlformats.org/officeDocument/2006/relationships" xmlns:p1510="http://schemas.microsoft.com/office/powerpoint/2015/10/main"/>
+</file>
+
 <file path=ppt/slideLayouts/slideLayout1.xml><?xml version="1.0" encoding="utf-8"?>
 <p:sldLayout xmlns:a="http://schemas.openxmlformats.org/drawingml/2006/main" xmlns:r="http://schemas.openxmlformats.org/officeDocument/2006/relationships" xmlns:p="http://schemas.openxmlformats.org/presentationml/2006/main" showMasterSp="0" type="title" preserve="1">
   <p:cSld name="제목 슬라이드">
@@ -791,7 +795,7 @@
             <a:fld id="{E1AA1A83-1E49-4CF1-9925-D7526216A35A}" type="datetimeFigureOut">
               <a:rPr lang="ko-KR" altLang="en-US" smtClean="0"/>
               <a:pPr/>
-              <a:t>2017-05-30</a:t>
+              <a:t>2017-05-31</a:t>
             </a:fld>
             <a:endParaRPr lang="ko-KR" altLang="en-US" dirty="0"/>
           </a:p>
@@ -976,7 +980,7 @@
             <a:fld id="{E1AA1A83-1E49-4CF1-9925-D7526216A35A}" type="datetimeFigureOut">
               <a:rPr lang="ko-KR" altLang="en-US" smtClean="0"/>
               <a:pPr/>
-              <a:t>2017-05-30</a:t>
+              <a:t>2017-05-31</a:t>
             </a:fld>
             <a:endParaRPr lang="ko-KR" altLang="en-US" dirty="0"/>
           </a:p>
@@ -1153,7 +1157,7 @@
             <a:fld id="{E1AA1A83-1E49-4CF1-9925-D7526216A35A}" type="datetimeFigureOut">
               <a:rPr lang="ko-KR" altLang="en-US" smtClean="0"/>
               <a:pPr/>
-              <a:t>2017-05-30</a:t>
+              <a:t>2017-05-31</a:t>
             </a:fld>
             <a:endParaRPr lang="ko-KR" altLang="en-US" dirty="0"/>
           </a:p>
@@ -1320,7 +1324,7 @@
             <a:fld id="{E1AA1A83-1E49-4CF1-9925-D7526216A35A}" type="datetimeFigureOut">
               <a:rPr lang="ko-KR" altLang="en-US" smtClean="0"/>
               <a:pPr/>
-              <a:t>2017-05-30</a:t>
+              <a:t>2017-05-31</a:t>
             </a:fld>
             <a:endParaRPr lang="ko-KR" altLang="en-US" dirty="0"/>
           </a:p>
@@ -1543,7 +1547,7 @@
             <a:fld id="{E1AA1A83-1E49-4CF1-9925-D7526216A35A}" type="datetimeFigureOut">
               <a:rPr lang="ko-KR" altLang="en-US" smtClean="0"/>
               <a:pPr/>
-              <a:t>2017-05-30</a:t>
+              <a:t>2017-05-31</a:t>
             </a:fld>
             <a:endParaRPr lang="ko-KR" altLang="en-US" dirty="0"/>
           </a:p>
@@ -1804,7 +1808,7 @@
             <a:fld id="{E1AA1A83-1E49-4CF1-9925-D7526216A35A}" type="datetimeFigureOut">
               <a:rPr lang="ko-KR" altLang="en-US" smtClean="0"/>
               <a:pPr/>
-              <a:t>2017-05-30</a:t>
+              <a:t>2017-05-31</a:t>
             </a:fld>
             <a:endParaRPr lang="ko-KR" altLang="en-US" dirty="0"/>
           </a:p>
@@ -2210,7 +2214,7 @@
             <a:fld id="{E1AA1A83-1E49-4CF1-9925-D7526216A35A}" type="datetimeFigureOut">
               <a:rPr lang="ko-KR" altLang="en-US" smtClean="0"/>
               <a:pPr/>
-              <a:t>2017-05-30</a:t>
+              <a:t>2017-05-31</a:t>
             </a:fld>
             <a:endParaRPr lang="ko-KR" altLang="en-US" dirty="0"/>
           </a:p>
@@ -2343,7 +2347,7 @@
             <a:fld id="{E1AA1A83-1E49-4CF1-9925-D7526216A35A}" type="datetimeFigureOut">
               <a:rPr lang="ko-KR" altLang="en-US" smtClean="0"/>
               <a:pPr/>
-              <a:t>2017-05-30</a:t>
+              <a:t>2017-05-31</a:t>
             </a:fld>
             <a:endParaRPr lang="ko-KR" altLang="en-US" dirty="0"/>
           </a:p>
@@ -2445,7 +2449,7 @@
             <a:fld id="{E1AA1A83-1E49-4CF1-9925-D7526216A35A}" type="datetimeFigureOut">
               <a:rPr lang="ko-KR" altLang="en-US" smtClean="0"/>
               <a:pPr/>
-              <a:t>2017-05-30</a:t>
+              <a:t>2017-05-31</a:t>
             </a:fld>
             <a:endParaRPr lang="ko-KR" altLang="en-US" dirty="0"/>
           </a:p>
@@ -2692,7 +2696,7 @@
             <a:fld id="{E1AA1A83-1E49-4CF1-9925-D7526216A35A}" type="datetimeFigureOut">
               <a:rPr lang="ko-KR" altLang="en-US" smtClean="0"/>
               <a:pPr/>
-              <a:t>2017-05-30</a:t>
+              <a:t>2017-05-31</a:t>
             </a:fld>
             <a:endParaRPr lang="ko-KR" altLang="en-US" dirty="0"/>
           </a:p>
@@ -2938,7 +2942,7 @@
             <a:fld id="{E1AA1A83-1E49-4CF1-9925-D7526216A35A}" type="datetimeFigureOut">
               <a:rPr lang="ko-KR" altLang="en-US" smtClean="0"/>
               <a:pPr/>
-              <a:t>2017-05-30</a:t>
+              <a:t>2017-05-31</a:t>
             </a:fld>
             <a:endParaRPr lang="ko-KR" altLang="en-US" dirty="0"/>
           </a:p>
@@ -3764,7 +3768,7 @@
             <a:fld id="{E1AA1A83-1E49-4CF1-9925-D7526216A35A}" type="datetimeFigureOut">
               <a:rPr lang="ko-KR" altLang="en-US" smtClean="0"/>
               <a:pPr/>
-              <a:t>2017-05-30</a:t>
+              <a:t>2017-05-31</a:t>
             </a:fld>
             <a:endParaRPr lang="ko-KR" altLang="en-US" dirty="0"/>
           </a:p>
@@ -5911,11 +5915,11 @@
             </a:r>
             <a:r>
               <a:rPr lang="en-US" altLang="ko-KR" sz="2800" dirty="0"/>
-              <a:t> </a:t>
+              <a:t>  </a:t>
             </a:r>
             <a:r>
               <a:rPr lang="ko-KR" altLang="en-US" sz="2800" dirty="0"/>
-              <a:t>문화공연 </a:t>
+              <a:t>문화공연 예약 바로가기 </a:t>
             </a:r>
             <a:r>
               <a:rPr kumimoji="0" lang="ko-KR" altLang="en-US" sz="2800" b="0" i="0" u="none" strike="noStrike" kern="1200" cap="none" spc="0" normalizeH="0" baseline="0" noProof="0" dirty="0">
@@ -5932,7 +5936,7 @@
                 <a:ea typeface="+mn-ea"/>
                 <a:cs typeface="+mn-cs"/>
               </a:rPr>
-              <a:t>검색기능</a:t>
+              <a:t>기능</a:t>
             </a:r>
             <a:endParaRPr kumimoji="0" lang="en-US" altLang="ko-KR" sz="2800" b="0" i="0" u="none" strike="noStrike" kern="1200" cap="none" spc="0" normalizeH="0" baseline="0" noProof="0" dirty="0">
               <a:ln>
@@ -6074,7 +6078,7 @@
                 <a:ea typeface="+mj-ea"/>
                 <a:cs typeface="+mn-cs"/>
               </a:rPr>
-              <a:t>장르</a:t>
+              <a:t>행사면</a:t>
             </a:r>
             <a:r>
               <a:rPr kumimoji="0" lang="en-US" altLang="ko-KR" sz="2000" b="0" i="0" u="none" strike="noStrike" kern="1200" cap="none" spc="0" normalizeH="0" baseline="0" noProof="0" dirty="0">
@@ -6108,7 +6112,7 @@
                 <a:ea typeface="+mj-ea"/>
                 <a:cs typeface="+mn-cs"/>
               </a:rPr>
-              <a:t>제목</a:t>
+              <a:t>장소</a:t>
             </a:r>
             <a:r>
               <a:rPr kumimoji="0" lang="en-US" altLang="ko-KR" sz="2000" b="0" i="0" u="none" strike="noStrike" kern="1200" cap="none" spc="0" normalizeH="0" baseline="0" noProof="0" dirty="0">
@@ -6142,7 +6146,7 @@
                 <a:ea typeface="+mj-ea"/>
                 <a:cs typeface="+mn-cs"/>
               </a:rPr>
-              <a:t>시작일</a:t>
+              <a:t>비용</a:t>
             </a:r>
             <a:r>
               <a:rPr kumimoji="0" lang="en-US" altLang="ko-KR" sz="2000" b="0" i="0" u="none" strike="noStrike" kern="1200" cap="none" spc="0" normalizeH="0" baseline="0" noProof="0" dirty="0">
@@ -6176,7 +6180,7 @@
                 <a:ea typeface="+mj-ea"/>
                 <a:cs typeface="+mn-cs"/>
               </a:rPr>
-              <a:t>종료일</a:t>
+              <a:t>소분류</a:t>
             </a:r>
             <a:r>
               <a:rPr kumimoji="0" lang="en-US" altLang="ko-KR" sz="2000" b="0" i="0" u="none" strike="noStrike" kern="1200" cap="none" spc="0" normalizeH="0" baseline="0" noProof="0" dirty="0">
@@ -6210,7 +6214,7 @@
                 <a:ea typeface="+mj-ea"/>
                 <a:cs typeface="+mn-cs"/>
               </a:rPr>
-              <a:t>시간</a:t>
+              <a:t>시작일</a:t>
             </a:r>
             <a:r>
               <a:rPr kumimoji="0" lang="en-US" altLang="ko-KR" sz="2000" b="0" i="0" u="none" strike="noStrike" kern="1200" cap="none" spc="0" normalizeH="0" baseline="0" noProof="0" dirty="0">
@@ -6227,14 +6231,14 @@
                 <a:ea typeface="+mj-ea"/>
                 <a:cs typeface="+mn-cs"/>
               </a:rPr>
-              <a:t>, </a:t>
+              <a:t>/</a:t>
             </a:r>
             <a:r>
               <a:rPr lang="ko-KR" altLang="en-US" sz="2000" dirty="0">
                 <a:latin typeface="+mj-ea"/>
                 <a:ea typeface="+mj-ea"/>
               </a:rPr>
-              <a:t>장소</a:t>
+              <a:t>종료일</a:t>
             </a:r>
             <a:r>
               <a:rPr lang="en-US" altLang="ko-KR" sz="2000" dirty="0">
@@ -6248,29 +6252,84 @@
                 <a:latin typeface="+mj-ea"/>
                 <a:ea typeface="+mj-ea"/>
               </a:rPr>
-              <a:t>이용대상을 출력한다</a:t>
-            </a:r>
-            <a:r>
-              <a:rPr lang="en-US" altLang="ko-KR" sz="2000" dirty="0">
+              <a:t>예약상태</a:t>
+            </a:r>
+            <a:endParaRPr lang="en-US" altLang="ko-KR" sz="2000" dirty="0">
+              <a:latin typeface="+mj-ea"/>
+              <a:ea typeface="+mj-ea"/>
+            </a:endParaRPr>
+          </a:p>
+          <a:p>
+            <a:pPr marL="624078" marR="0" lvl="0" indent="-514350" algn="l" defTabSz="914400" rtl="0" eaLnBrk="1" fontAlgn="auto" latinLnBrk="1" hangingPunct="1">
+              <a:lnSpc>
+                <a:spcPct val="100000"/>
+              </a:lnSpc>
+              <a:spcBef>
+                <a:spcPts val="300"/>
+              </a:spcBef>
+              <a:spcAft>
+                <a:spcPts val="0"/>
+              </a:spcAft>
+              <a:buClr>
+                <a:schemeClr val="accent3"/>
+              </a:buClr>
+              <a:buSzTx/>
+              <a:buFont typeface="Georgia"/>
+              <a:buNone/>
+              <a:tabLst/>
+              <a:defRPr/>
+            </a:pPr>
+            <a:r>
+              <a:rPr kumimoji="0" lang="en-US" altLang="ko-KR" sz="2000" b="0" i="0" u="none" strike="noStrike" kern="1200" cap="none" spc="0" normalizeH="0" baseline="0" noProof="0" dirty="0">
+                <a:ln>
+                  <a:noFill/>
+                </a:ln>
+                <a:solidFill>
+                  <a:schemeClr val="tx1"/>
+                </a:solidFill>
+                <a:effectLst/>
+                <a:uLnTx/>
+                <a:uFillTx/>
                 <a:latin typeface="+mj-ea"/>
                 <a:ea typeface="+mj-ea"/>
+                <a:cs typeface="+mn-cs"/>
+              </a:rPr>
+              <a:t>         </a:t>
+            </a:r>
+            <a:r>
+              <a:rPr kumimoji="0" lang="ko-KR" altLang="en-US" sz="2000" b="0" i="0" u="none" strike="noStrike" kern="1200" cap="none" spc="0" normalizeH="0" baseline="0" noProof="0" dirty="0">
+                <a:ln>
+                  <a:noFill/>
+                </a:ln>
+                <a:solidFill>
+                  <a:schemeClr val="tx1"/>
+                </a:solidFill>
+                <a:effectLst/>
+                <a:uLnTx/>
+                <a:uFillTx/>
+                <a:latin typeface="+mj-ea"/>
+                <a:ea typeface="+mj-ea"/>
+                <a:cs typeface="+mn-cs"/>
+              </a:rPr>
+              <a:t>예약 바로가기 링크를 제공한다</a:t>
+            </a:r>
+            <a:r>
+              <a:rPr kumimoji="0" lang="en-US" altLang="ko-KR" sz="2000" b="0" i="0" u="none" strike="noStrike" kern="1200" cap="none" spc="0" normalizeH="0" baseline="0" noProof="0" dirty="0">
+                <a:ln>
+                  <a:noFill/>
+                </a:ln>
+                <a:solidFill>
+                  <a:schemeClr val="tx1"/>
+                </a:solidFill>
+                <a:effectLst/>
+                <a:uLnTx/>
+                <a:uFillTx/>
+                <a:latin typeface="+mj-ea"/>
+                <a:ea typeface="+mj-ea"/>
+                <a:cs typeface="+mn-cs"/>
               </a:rPr>
               <a:t>.</a:t>
             </a:r>
-            <a:endParaRPr kumimoji="0" lang="en-US" altLang="ko-KR" sz="2000" b="0" i="0" u="none" strike="noStrike" kern="1200" cap="none" spc="0" normalizeH="0" baseline="0" noProof="0" dirty="0">
-              <a:ln>
-                <a:noFill/>
-              </a:ln>
-              <a:solidFill>
-                <a:schemeClr val="tx1"/>
-              </a:solidFill>
-              <a:effectLst/>
-              <a:uLnTx/>
-              <a:uFillTx/>
-              <a:latin typeface="+mj-ea"/>
-              <a:ea typeface="+mj-ea"/>
-              <a:cs typeface="+mn-cs"/>
-            </a:endParaRPr>
           </a:p>
         </p:txBody>
       </p:sp>
@@ -6350,7 +6409,7 @@
         </p:nvSpPr>
         <p:spPr>
           <a:xfrm>
-            <a:off x="3538228" y="2750713"/>
+            <a:off x="3538228" y="3150907"/>
             <a:ext cx="1224136" cy="360040"/>
           </a:xfrm>
           <a:prstGeom prst="rightArrow">
@@ -6436,7 +6495,7 @@
         </p:blipFill>
         <p:spPr>
           <a:xfrm>
-            <a:off x="611560" y="2111512"/>
+            <a:off x="611560" y="2567405"/>
             <a:ext cx="3116850" cy="1653683"/>
           </a:xfrm>
           <a:prstGeom prst="rect">
@@ -6444,46 +6503,6 @@
           </a:prstGeom>
         </p:spPr>
       </p:pic>
-      <p:sp>
-        <p:nvSpPr>
-          <p:cNvPr id="14" name="화살표: 아래쪽 13"/>
-          <p:cNvSpPr/>
-          <p:nvPr/>
-        </p:nvSpPr>
-        <p:spPr>
-          <a:xfrm rot="2873608">
-            <a:off x="5244230" y="3723289"/>
-            <a:ext cx="268663" cy="766798"/>
-          </a:xfrm>
-          <a:prstGeom prst="downArrow">
-            <a:avLst/>
-          </a:prstGeom>
-        </p:spPr>
-        <p:style>
-          <a:lnRef idx="2">
-            <a:schemeClr val="accent1">
-              <a:shade val="50000"/>
-            </a:schemeClr>
-          </a:lnRef>
-          <a:fillRef idx="1">
-            <a:schemeClr val="accent1"/>
-          </a:fillRef>
-          <a:effectRef idx="0">
-            <a:schemeClr val="accent1"/>
-          </a:effectRef>
-          <a:fontRef idx="minor">
-            <a:schemeClr val="lt1"/>
-          </a:fontRef>
-        </p:style>
-        <p:txBody>
-          <a:bodyPr rtlCol="0" anchor="ctr"/>
-          <a:lstStyle/>
-          <a:p>
-            <a:pPr algn="ctr"/>
-            <a:endParaRPr lang="ko-KR" altLang="en-US"/>
-          </a:p>
-        </p:txBody>
-      </p:sp>
       <p:sp>
         <p:nvSpPr>
           <p:cNvPr id="20" name="실행 단추: 앞으로 또는 다음으로 이동 19">
@@ -6552,7 +6571,7 @@
         </p:blipFill>
         <p:spPr>
           <a:xfrm>
-            <a:off x="5188101" y="2111512"/>
+            <a:off x="5215807" y="2581265"/>
             <a:ext cx="2933954" cy="1638442"/>
           </a:xfrm>
           <a:prstGeom prst="rect">
@@ -6582,7 +6601,7 @@
         </p:blipFill>
         <p:spPr>
           <a:xfrm>
-            <a:off x="644623" y="690954"/>
+            <a:off x="801924" y="1268760"/>
             <a:ext cx="7920880" cy="5474350"/>
           </a:xfrm>
           <a:prstGeom prst="rect">
@@ -6590,6 +6609,46 @@
           </a:prstGeom>
         </p:spPr>
       </p:pic>
+      <p:sp>
+        <p:nvSpPr>
+          <p:cNvPr id="14" name="화살표: 아래쪽 13"/>
+          <p:cNvSpPr/>
+          <p:nvPr/>
+        </p:nvSpPr>
+        <p:spPr>
+          <a:xfrm rot="2873608">
+            <a:off x="5288338" y="4193042"/>
+            <a:ext cx="268663" cy="766798"/>
+          </a:xfrm>
+          <a:prstGeom prst="downArrow">
+            <a:avLst/>
+          </a:prstGeom>
+        </p:spPr>
+        <p:style>
+          <a:lnRef idx="2">
+            <a:schemeClr val="accent1">
+              <a:shade val="50000"/>
+            </a:schemeClr>
+          </a:lnRef>
+          <a:fillRef idx="1">
+            <a:schemeClr val="accent1"/>
+          </a:fillRef>
+          <a:effectRef idx="0">
+            <a:schemeClr val="accent1"/>
+          </a:effectRef>
+          <a:fontRef idx="minor">
+            <a:schemeClr val="lt1"/>
+          </a:fontRef>
+        </p:style>
+        <p:txBody>
+          <a:bodyPr rtlCol="0" anchor="ctr"/>
+          <a:lstStyle/>
+          <a:p>
+            <a:pPr algn="ctr"/>
+            <a:endParaRPr lang="ko-KR" altLang="en-US"/>
+          </a:p>
+        </p:txBody>
+      </p:sp>
     </p:spTree>
     <p:extLst>
       <p:ext uri="{BB962C8B-B14F-4D97-AF65-F5344CB8AC3E}">
@@ -6946,8 +7005,8 @@
     </p:tnLst>
     <p:bldLst>
       <p:bldP spid="16" grpId="0" animBg="1"/>
+      <p:bldP spid="20" grpId="0" animBg="1"/>
       <p:bldP spid="14" grpId="0" animBg="1"/>
-      <p:bldP spid="20" grpId="0" animBg="1"/>
     </p:bldLst>
   </p:timing>
 </p:sld>
@@ -8318,7 +8377,10 @@
           <a:bodyPr/>
           <a:lstStyle/>
           <a:p>
-            <a:endParaRPr lang="ko-KR" altLang="en-US"/>
+            <a:pPr marL="109728" indent="0">
+              <a:buNone/>
+            </a:pPr>
+            <a:endParaRPr lang="ko-KR" altLang="en-US" dirty="0"/>
           </a:p>
         </p:txBody>
       </p:sp>
@@ -8390,7 +8452,7 @@
           <p:nvPr>
             <p:extLst>
               <p:ext uri="{D42A27DB-BD31-4B8C-83A1-F6EECF244321}">
-                <p14:modId xmlns:p14="http://schemas.microsoft.com/office/powerpoint/2010/main" val="1981832222"/>
+                <p14:modId xmlns:p14="http://schemas.microsoft.com/office/powerpoint/2010/main" val="3591629762"/>
               </p:ext>
             </p:extLst>
           </p:nvPr>
@@ -9303,7 +9365,7 @@
                       </a:r>
                       <a:r>
                         <a:rPr lang="en-US" altLang="ko-KR" sz="1600" dirty="0"/>
-                        <a:t> 6/21</a:t>
+                        <a:t> 6/14</a:t>
                       </a:r>
                       <a:endParaRPr lang="ko-KR" altLang="en-US" sz="1600" b="1" dirty="0">
                         <a:solidFill>

--- a/ppt/중간발표.pptx
+++ b/ppt/중간발표.pptx
@@ -11,10 +11,11 @@
     <p:sldId id="261" r:id="rId5"/>
     <p:sldId id="265" r:id="rId6"/>
     <p:sldId id="266" r:id="rId7"/>
-    <p:sldId id="268" r:id="rId8"/>
+    <p:sldId id="271" r:id="rId8"/>
     <p:sldId id="270" r:id="rId9"/>
-    <p:sldId id="258" r:id="rId10"/>
-    <p:sldId id="260" r:id="rId11"/>
+    <p:sldId id="273" r:id="rId10"/>
+    <p:sldId id="258" r:id="rId11"/>
+    <p:sldId id="260" r:id="rId12"/>
   </p:sldIdLst>
   <p:sldSz cx="9144000" cy="6858000" type="screen4x3"/>
   <p:notesSz cx="6858000" cy="9144000"/>
@@ -4283,6 +4284,1057 @@
           <a:chExt cx="0" cy="0"/>
         </a:xfrm>
       </p:grpSpPr>
+      <p:sp>
+        <p:nvSpPr>
+          <p:cNvPr id="2" name="제목 1"/>
+          <p:cNvSpPr>
+            <a:spLocks noGrp="1"/>
+          </p:cNvSpPr>
+          <p:nvPr>
+            <p:ph type="title"/>
+          </p:nvPr>
+        </p:nvSpPr>
+        <p:spPr>
+          <a:xfrm>
+            <a:off x="35496" y="116632"/>
+            <a:ext cx="8229600" cy="1066800"/>
+          </a:xfrm>
+        </p:spPr>
+        <p:txBody>
+          <a:bodyPr>
+            <a:normAutofit/>
+          </a:bodyPr>
+          <a:lstStyle/>
+          <a:p>
+            <a:r>
+              <a:rPr lang="ko-KR" altLang="en-US" sz="2000" dirty="0"/>
+              <a:t>주차별 계획</a:t>
+            </a:r>
+          </a:p>
+        </p:txBody>
+      </p:sp>
+      <p:graphicFrame>
+        <p:nvGraphicFramePr>
+          <p:cNvPr id="5" name="표 4"/>
+          <p:cNvGraphicFramePr>
+            <a:graphicFrameLocks noGrp="1"/>
+          </p:cNvGraphicFramePr>
+          <p:nvPr>
+            <p:extLst>
+              <p:ext uri="{D42A27DB-BD31-4B8C-83A1-F6EECF244321}">
+                <p14:modId xmlns:p14="http://schemas.microsoft.com/office/powerpoint/2010/main" val="2741861131"/>
+              </p:ext>
+            </p:extLst>
+          </p:nvPr>
+        </p:nvGraphicFramePr>
+        <p:xfrm>
+          <a:off x="153987" y="1196752"/>
+          <a:ext cx="8798371" cy="5221027"/>
+        </p:xfrm>
+        <a:graphic>
+          <a:graphicData uri="http://schemas.openxmlformats.org/drawingml/2006/table">
+            <a:tbl>
+              <a:tblPr firstRow="1" bandRow="1">
+                <a:tableStyleId>{85BE263C-DBD7-4A20-BB59-AAB30ACAA65A}</a:tableStyleId>
+              </a:tblPr>
+              <a:tblGrid>
+                <a:gridCol w="1249661">
+                  <a:extLst>
+                    <a:ext uri="{9D8B030D-6E8A-4147-A177-3AD203B41FA5}">
+                      <a16:colId xmlns:a16="http://schemas.microsoft.com/office/drawing/2014/main" val="3130116251"/>
+                    </a:ext>
+                  </a:extLst>
+                </a:gridCol>
+                <a:gridCol w="3240360">
+                  <a:extLst>
+                    <a:ext uri="{9D8B030D-6E8A-4147-A177-3AD203B41FA5}">
+                      <a16:colId xmlns:a16="http://schemas.microsoft.com/office/drawing/2014/main" val="567274282"/>
+                    </a:ext>
+                  </a:extLst>
+                </a:gridCol>
+                <a:gridCol w="3456384">
+                  <a:extLst>
+                    <a:ext uri="{9D8B030D-6E8A-4147-A177-3AD203B41FA5}">
+                      <a16:colId xmlns:a16="http://schemas.microsoft.com/office/drawing/2014/main" val="4240577183"/>
+                    </a:ext>
+                  </a:extLst>
+                </a:gridCol>
+                <a:gridCol w="851966">
+                  <a:extLst>
+                    <a:ext uri="{9D8B030D-6E8A-4147-A177-3AD203B41FA5}">
+                      <a16:colId xmlns:a16="http://schemas.microsoft.com/office/drawing/2014/main" val="3110937553"/>
+                    </a:ext>
+                  </a:extLst>
+                </a:gridCol>
+              </a:tblGrid>
+              <a:tr h="331258">
+                <a:tc>
+                  <a:txBody>
+                    <a:bodyPr/>
+                    <a:lstStyle/>
+                    <a:p>
+                      <a:pPr latinLnBrk="1"/>
+                      <a:r>
+                        <a:rPr lang="ko-KR" altLang="en-US" dirty="0"/>
+                        <a:t>주차</a:t>
+                      </a:r>
+                    </a:p>
+                  </a:txBody>
+                  <a:tcPr/>
+                </a:tc>
+                <a:tc>
+                  <a:txBody>
+                    <a:bodyPr/>
+                    <a:lstStyle/>
+                    <a:p>
+                      <a:pPr latinLnBrk="1"/>
+                      <a:r>
+                        <a:rPr lang="ko-KR" altLang="en-US" dirty="0"/>
+                        <a:t>계획</a:t>
+                      </a:r>
+                    </a:p>
+                  </a:txBody>
+                  <a:tcPr/>
+                </a:tc>
+                <a:tc>
+                  <a:txBody>
+                    <a:bodyPr/>
+                    <a:lstStyle/>
+                    <a:p>
+                      <a:pPr latinLnBrk="1"/>
+                      <a:r>
+                        <a:rPr lang="ko-KR" altLang="en-US" dirty="0"/>
+                        <a:t>세부 계획</a:t>
+                      </a:r>
+                    </a:p>
+                  </a:txBody>
+                  <a:tcPr/>
+                </a:tc>
+                <a:tc>
+                  <a:txBody>
+                    <a:bodyPr/>
+                    <a:lstStyle/>
+                    <a:p>
+                      <a:pPr latinLnBrk="1"/>
+                      <a:r>
+                        <a:rPr lang="ko-KR" altLang="en-US" dirty="0"/>
+                        <a:t>시행</a:t>
+                      </a:r>
+                    </a:p>
+                  </a:txBody>
+                  <a:tcPr/>
+                </a:tc>
+                <a:extLst>
+                  <a:ext uri="{0D108BD9-81ED-4DB2-BD59-A6C34878D82A}">
+                    <a16:rowId xmlns:a16="http://schemas.microsoft.com/office/drawing/2014/main" val="1771836580"/>
+                  </a:ext>
+                </a:extLst>
+              </a:tr>
+              <a:tr h="745330">
+                <a:tc>
+                  <a:txBody>
+                    <a:bodyPr/>
+                    <a:lstStyle/>
+                    <a:p>
+                      <a:pPr latinLnBrk="1"/>
+                      <a:r>
+                        <a:rPr lang="en-US" altLang="ko-KR" sz="1600" dirty="0"/>
+                        <a:t>1</a:t>
+                      </a:r>
+                      <a:r>
+                        <a:rPr lang="ko-KR" altLang="en-US" sz="1600" dirty="0"/>
+                        <a:t>주 </a:t>
+                      </a:r>
+                      <a:r>
+                        <a:rPr lang="en-US" altLang="ko-KR" sz="1600" dirty="0"/>
+                        <a:t>(4.28~5.4)</a:t>
+                      </a:r>
+                      <a:endParaRPr lang="ko-KR" altLang="en-US" sz="1600" dirty="0"/>
+                    </a:p>
+                  </a:txBody>
+                  <a:tcPr/>
+                </a:tc>
+                <a:tc>
+                  <a:txBody>
+                    <a:bodyPr/>
+                    <a:lstStyle/>
+                    <a:p>
+                      <a:pPr latinLnBrk="1"/>
+                      <a:r>
+                        <a:rPr lang="ko-KR" altLang="en-US" sz="1600" dirty="0"/>
+                        <a:t>파이썬 모듈</a:t>
+                      </a:r>
+                      <a:r>
+                        <a:rPr lang="en-US" altLang="ko-KR" sz="1600" dirty="0"/>
+                        <a:t>, OpenAPI </a:t>
+                      </a:r>
+                      <a:r>
+                        <a:rPr lang="ko-KR" altLang="en-US" sz="1600" dirty="0"/>
+                        <a:t>조사</a:t>
+                      </a:r>
+                      <a:endParaRPr lang="en-US" altLang="ko-KR" sz="1600" dirty="0"/>
+                    </a:p>
+                    <a:p>
+                      <a:pPr latinLnBrk="1"/>
+                      <a:r>
+                        <a:rPr lang="ko-KR" altLang="en-US" sz="1600" dirty="0"/>
+                        <a:t>응용 앱 개발 예시 조사</a:t>
+                      </a:r>
+                    </a:p>
+                  </a:txBody>
+                  <a:tcPr/>
+                </a:tc>
+                <a:tc>
+                  <a:txBody>
+                    <a:bodyPr/>
+                    <a:lstStyle/>
+                    <a:p>
+                      <a:pPr latinLnBrk="1"/>
+                      <a:r>
+                        <a:rPr lang="en-US" altLang="ko-KR" sz="1600" dirty="0"/>
+                        <a:t>Xml </a:t>
+                      </a:r>
+                      <a:r>
+                        <a:rPr lang="ko-KR" altLang="en-US" sz="1600" dirty="0"/>
+                        <a:t>모듈 조사 완료</a:t>
+                      </a:r>
+                      <a:endParaRPr lang="en-US" altLang="ko-KR" sz="1600" dirty="0"/>
+                    </a:p>
+                    <a:p>
+                      <a:pPr latinLnBrk="1"/>
+                      <a:r>
+                        <a:rPr lang="ko-KR" altLang="en-US" sz="1600" dirty="0"/>
+                        <a:t>서울 열린 데이터 광장 활용사례조사</a:t>
+                      </a:r>
+                    </a:p>
+                  </a:txBody>
+                  <a:tcPr/>
+                </a:tc>
+                <a:tc>
+                  <a:txBody>
+                    <a:bodyPr/>
+                    <a:lstStyle/>
+                    <a:p>
+                      <a:pPr latinLnBrk="1"/>
+                      <a:r>
+                        <a:rPr lang="en-US" altLang="ko-KR" sz="1600" dirty="0"/>
+                        <a:t>100%</a:t>
+                      </a:r>
+                      <a:endParaRPr lang="ko-KR" altLang="en-US" sz="1600" dirty="0"/>
+                    </a:p>
+                  </a:txBody>
+                  <a:tcPr/>
+                </a:tc>
+                <a:extLst>
+                  <a:ext uri="{0D108BD9-81ED-4DB2-BD59-A6C34878D82A}">
+                    <a16:rowId xmlns:a16="http://schemas.microsoft.com/office/drawing/2014/main" val="1066783592"/>
+                  </a:ext>
+                </a:extLst>
+              </a:tr>
+              <a:tr h="524491">
+                <a:tc>
+                  <a:txBody>
+                    <a:bodyPr/>
+                    <a:lstStyle/>
+                    <a:p>
+                      <a:pPr latinLnBrk="1"/>
+                      <a:r>
+                        <a:rPr lang="en-US" altLang="ko-KR" sz="1600" dirty="0"/>
+                        <a:t>2</a:t>
+                      </a:r>
+                      <a:r>
+                        <a:rPr lang="ko-KR" altLang="en-US" sz="1600" dirty="0"/>
+                        <a:t>주</a:t>
+                      </a:r>
+                      <a:endParaRPr lang="en-US" altLang="ko-KR" sz="1600" dirty="0"/>
+                    </a:p>
+                    <a:p>
+                      <a:pPr latinLnBrk="1"/>
+                      <a:r>
+                        <a:rPr lang="en-US" altLang="ko-KR" sz="1600" dirty="0"/>
+                        <a:t>(5.5~5.11)</a:t>
+                      </a:r>
+                      <a:endParaRPr lang="ko-KR" altLang="en-US" sz="1600" dirty="0"/>
+                    </a:p>
+                  </a:txBody>
+                  <a:tcPr/>
+                </a:tc>
+                <a:tc>
+                  <a:txBody>
+                    <a:bodyPr/>
+                    <a:lstStyle/>
+                    <a:p>
+                      <a:pPr latinLnBrk="1"/>
+                      <a:r>
+                        <a:rPr lang="ko-KR" altLang="en-US" sz="1600" dirty="0"/>
+                        <a:t>기획발표</a:t>
+                      </a:r>
+                      <a:r>
+                        <a:rPr lang="en-US" altLang="ko-KR" sz="1600" dirty="0"/>
+                        <a:t>5/10</a:t>
+                      </a:r>
+                    </a:p>
+                    <a:p>
+                      <a:pPr latinLnBrk="1"/>
+                      <a:r>
+                        <a:rPr lang="ko-KR" altLang="en-US" sz="1600" dirty="0"/>
+                        <a:t>상세 기능</a:t>
+                      </a:r>
+                      <a:r>
+                        <a:rPr lang="en-US" altLang="ko-KR" sz="1600" dirty="0"/>
+                        <a:t>,</a:t>
+                      </a:r>
+                      <a:r>
+                        <a:rPr lang="en-US" altLang="ko-KR" sz="1600" baseline="0" dirty="0"/>
+                        <a:t> </a:t>
+                      </a:r>
+                      <a:r>
+                        <a:rPr lang="ko-KR" altLang="en-US" sz="1600" baseline="0" dirty="0"/>
+                        <a:t>구현 방법</a:t>
+                      </a:r>
+                      <a:r>
+                        <a:rPr lang="en-US" altLang="ko-KR" sz="1600" baseline="0" dirty="0"/>
+                        <a:t>, </a:t>
+                      </a:r>
+                      <a:r>
+                        <a:rPr lang="ko-KR" altLang="en-US" sz="1600" baseline="0" dirty="0"/>
+                        <a:t>역할 분담 등</a:t>
+                      </a:r>
+                      <a:endParaRPr lang="ko-KR" altLang="en-US" sz="1600" dirty="0"/>
+                    </a:p>
+                  </a:txBody>
+                  <a:tcPr/>
+                </a:tc>
+                <a:tc>
+                  <a:txBody>
+                    <a:bodyPr/>
+                    <a:lstStyle/>
+                    <a:p>
+                      <a:pPr latinLnBrk="1"/>
+                      <a:r>
+                        <a:rPr lang="ko-KR" altLang="en-US" sz="1600" baseline="0" dirty="0"/>
+                        <a:t>기획 발표</a:t>
+                      </a:r>
+                      <a:endParaRPr lang="ko-KR" altLang="en-US" sz="1600" dirty="0"/>
+                    </a:p>
+                  </a:txBody>
+                  <a:tcPr/>
+                </a:tc>
+                <a:tc>
+                  <a:txBody>
+                    <a:bodyPr/>
+                    <a:lstStyle/>
+                    <a:p>
+                      <a:pPr marL="0" marR="0" lvl="0" indent="0" algn="l" defTabSz="914400" rtl="0" eaLnBrk="1" fontAlgn="auto" latinLnBrk="1" hangingPunct="1">
+                        <a:lnSpc>
+                          <a:spcPct val="100000"/>
+                        </a:lnSpc>
+                        <a:spcBef>
+                          <a:spcPts val="0"/>
+                        </a:spcBef>
+                        <a:spcAft>
+                          <a:spcPts val="0"/>
+                        </a:spcAft>
+                        <a:buClrTx/>
+                        <a:buSzTx/>
+                        <a:buFontTx/>
+                        <a:buNone/>
+                        <a:tabLst/>
+                        <a:defRPr/>
+                      </a:pPr>
+                      <a:r>
+                        <a:rPr lang="en-US" altLang="ko-KR" sz="1600" dirty="0"/>
+                        <a:t>100%</a:t>
+                      </a:r>
+                      <a:endParaRPr lang="ko-KR" altLang="en-US" sz="1600" dirty="0"/>
+                    </a:p>
+                    <a:p>
+                      <a:pPr latinLnBrk="1"/>
+                      <a:endParaRPr lang="ko-KR" altLang="en-US" sz="1600" dirty="0"/>
+                    </a:p>
+                  </a:txBody>
+                  <a:tcPr/>
+                </a:tc>
+                <a:extLst>
+                  <a:ext uri="{0D108BD9-81ED-4DB2-BD59-A6C34878D82A}">
+                    <a16:rowId xmlns:a16="http://schemas.microsoft.com/office/drawing/2014/main" val="3181699754"/>
+                  </a:ext>
+                </a:extLst>
+              </a:tr>
+              <a:tr h="524491">
+                <a:tc>
+                  <a:txBody>
+                    <a:bodyPr/>
+                    <a:lstStyle/>
+                    <a:p>
+                      <a:pPr latinLnBrk="1"/>
+                      <a:r>
+                        <a:rPr lang="en-US" altLang="ko-KR" sz="1600" dirty="0"/>
+                        <a:t>3</a:t>
+                      </a:r>
+                      <a:r>
+                        <a:rPr lang="ko-KR" altLang="en-US" sz="1600" dirty="0"/>
+                        <a:t>주</a:t>
+                      </a:r>
+                      <a:endParaRPr lang="en-US" altLang="ko-KR" sz="1600" dirty="0"/>
+                    </a:p>
+                    <a:p>
+                      <a:pPr latinLnBrk="1"/>
+                      <a:r>
+                        <a:rPr lang="en-US" altLang="ko-KR" sz="1600" dirty="0"/>
+                        <a:t>(5.12~5.18)</a:t>
+                      </a:r>
+                      <a:endParaRPr lang="ko-KR" altLang="en-US" sz="1600" dirty="0"/>
+                    </a:p>
+                  </a:txBody>
+                  <a:tcPr/>
+                </a:tc>
+                <a:tc>
+                  <a:txBody>
+                    <a:bodyPr/>
+                    <a:lstStyle/>
+                    <a:p>
+                      <a:pPr latinLnBrk="1"/>
+                      <a:r>
+                        <a:rPr lang="en-US" altLang="ko-KR" sz="1600" dirty="0"/>
+                        <a:t>OpenAPI</a:t>
+                      </a:r>
+                      <a:r>
+                        <a:rPr lang="en-US" altLang="ko-KR" sz="1600" baseline="0" dirty="0"/>
+                        <a:t> </a:t>
+                      </a:r>
+                      <a:r>
+                        <a:rPr lang="ko-KR" altLang="en-US" sz="1600" baseline="0" dirty="0"/>
+                        <a:t>연동</a:t>
+                      </a:r>
+                      <a:r>
+                        <a:rPr lang="en-US" altLang="ko-KR" sz="1600" baseline="0" dirty="0"/>
+                        <a:t> </a:t>
+                      </a:r>
+                      <a:r>
+                        <a:rPr lang="ko-KR" altLang="en-US" sz="1600" baseline="0" dirty="0"/>
+                        <a:t>구현</a:t>
+                      </a:r>
+                      <a:endParaRPr lang="ko-KR" altLang="en-US" sz="1600" dirty="0"/>
+                    </a:p>
+                  </a:txBody>
+                  <a:tcPr/>
+                </a:tc>
+                <a:tc>
+                  <a:txBody>
+                    <a:bodyPr/>
+                    <a:lstStyle/>
+                    <a:p>
+                      <a:pPr latinLnBrk="1"/>
+                      <a:r>
+                        <a:rPr lang="ko-KR" altLang="en-US" sz="1600" dirty="0"/>
+                        <a:t>서울 열린 데이터 광장  </a:t>
+                      </a:r>
+                      <a:r>
+                        <a:rPr lang="en-US" altLang="ko-KR" sz="1600" dirty="0"/>
+                        <a:t>OpenAPI</a:t>
+                      </a:r>
+                      <a:r>
+                        <a:rPr lang="en-US" altLang="ko-KR" sz="1600" baseline="0" dirty="0"/>
+                        <a:t> </a:t>
+                      </a:r>
+                      <a:r>
+                        <a:rPr lang="ko-KR" altLang="en-US" sz="1600" baseline="0" dirty="0"/>
+                        <a:t>활용</a:t>
+                      </a:r>
+                      <a:endParaRPr lang="ko-KR" altLang="en-US" sz="1600" dirty="0"/>
+                    </a:p>
+                  </a:txBody>
+                  <a:tcPr/>
+                </a:tc>
+                <a:tc>
+                  <a:txBody>
+                    <a:bodyPr/>
+                    <a:lstStyle/>
+                    <a:p>
+                      <a:pPr marL="0" marR="0" lvl="0" indent="0" algn="l" defTabSz="914400" rtl="0" eaLnBrk="1" fontAlgn="auto" latinLnBrk="1" hangingPunct="1">
+                        <a:lnSpc>
+                          <a:spcPct val="100000"/>
+                        </a:lnSpc>
+                        <a:spcBef>
+                          <a:spcPts val="0"/>
+                        </a:spcBef>
+                        <a:spcAft>
+                          <a:spcPts val="0"/>
+                        </a:spcAft>
+                        <a:buClrTx/>
+                        <a:buSzTx/>
+                        <a:buFontTx/>
+                        <a:buNone/>
+                        <a:tabLst/>
+                        <a:defRPr/>
+                      </a:pPr>
+                      <a:r>
+                        <a:rPr lang="en-US" altLang="ko-KR" sz="1600" dirty="0"/>
+                        <a:t>100%</a:t>
+                      </a:r>
+                      <a:endParaRPr lang="ko-KR" altLang="en-US" sz="1600" dirty="0"/>
+                    </a:p>
+                    <a:p>
+                      <a:pPr latinLnBrk="1"/>
+                      <a:endParaRPr lang="ko-KR" altLang="en-US" sz="1600" dirty="0"/>
+                    </a:p>
+                  </a:txBody>
+                  <a:tcPr/>
+                </a:tc>
+                <a:extLst>
+                  <a:ext uri="{0D108BD9-81ED-4DB2-BD59-A6C34878D82A}">
+                    <a16:rowId xmlns:a16="http://schemas.microsoft.com/office/drawing/2014/main" val="3969082127"/>
+                  </a:ext>
+                </a:extLst>
+              </a:tr>
+              <a:tr h="427561">
+                <a:tc>
+                  <a:txBody>
+                    <a:bodyPr/>
+                    <a:lstStyle/>
+                    <a:p>
+                      <a:pPr latinLnBrk="1"/>
+                      <a:r>
+                        <a:rPr lang="en-US" altLang="ko-KR" sz="1600" dirty="0"/>
+                        <a:t>4</a:t>
+                      </a:r>
+                      <a:r>
+                        <a:rPr lang="ko-KR" altLang="en-US" sz="1600" dirty="0"/>
+                        <a:t>주</a:t>
+                      </a:r>
+                      <a:endParaRPr lang="en-US" altLang="ko-KR" sz="1600" dirty="0"/>
+                    </a:p>
+                    <a:p>
+                      <a:pPr latinLnBrk="1"/>
+                      <a:r>
+                        <a:rPr lang="en-US" altLang="ko-KR" sz="1600" dirty="0"/>
+                        <a:t>(5.19~5.25)</a:t>
+                      </a:r>
+                      <a:endParaRPr lang="ko-KR" altLang="en-US" sz="1600" dirty="0"/>
+                    </a:p>
+                  </a:txBody>
+                  <a:tcPr/>
+                </a:tc>
+                <a:tc>
+                  <a:txBody>
+                    <a:bodyPr/>
+                    <a:lstStyle/>
+                    <a:p>
+                      <a:pPr latinLnBrk="1"/>
+                      <a:r>
+                        <a:rPr lang="ko-KR" altLang="en-US" sz="1600" baseline="0" dirty="0"/>
+                        <a:t>다양한 검색 기능 구현</a:t>
+                      </a:r>
+                      <a:endParaRPr lang="ko-KR" altLang="en-US" sz="1600" dirty="0"/>
+                    </a:p>
+                  </a:txBody>
+                  <a:tcPr/>
+                </a:tc>
+                <a:tc>
+                  <a:txBody>
+                    <a:bodyPr/>
+                    <a:lstStyle/>
+                    <a:p>
+                      <a:pPr marL="0" marR="0" indent="0" algn="l" defTabSz="914400" rtl="0" eaLnBrk="1" fontAlgn="auto" latinLnBrk="1" hangingPunct="1">
+                        <a:lnSpc>
+                          <a:spcPct val="100000"/>
+                        </a:lnSpc>
+                        <a:spcBef>
+                          <a:spcPts val="0"/>
+                        </a:spcBef>
+                        <a:spcAft>
+                          <a:spcPts val="0"/>
+                        </a:spcAft>
+                        <a:buClrTx/>
+                        <a:buSzTx/>
+                        <a:buFontTx/>
+                        <a:buNone/>
+                        <a:tabLst/>
+                        <a:defRPr/>
+                      </a:pPr>
+                      <a:r>
+                        <a:rPr lang="ko-KR" altLang="en-US" sz="1600" dirty="0"/>
+                        <a:t>문화행사 검색</a:t>
+                      </a:r>
+                      <a:r>
+                        <a:rPr lang="en-US" altLang="ko-KR" sz="1600" dirty="0"/>
+                        <a:t>, </a:t>
+                      </a:r>
+                      <a:r>
+                        <a:rPr lang="ko-KR" altLang="en-US" sz="1600" dirty="0"/>
+                        <a:t>예약 바로가기 서비스 문화시설 교통편 검색</a:t>
+                      </a:r>
+                    </a:p>
+                  </a:txBody>
+                  <a:tcPr/>
+                </a:tc>
+                <a:tc>
+                  <a:txBody>
+                    <a:bodyPr/>
+                    <a:lstStyle/>
+                    <a:p>
+                      <a:pPr marL="0" marR="0" lvl="0" indent="0" algn="l" defTabSz="914400" rtl="0" eaLnBrk="1" fontAlgn="auto" latinLnBrk="1" hangingPunct="1">
+                        <a:lnSpc>
+                          <a:spcPct val="100000"/>
+                        </a:lnSpc>
+                        <a:spcBef>
+                          <a:spcPts val="0"/>
+                        </a:spcBef>
+                        <a:spcAft>
+                          <a:spcPts val="0"/>
+                        </a:spcAft>
+                        <a:buClrTx/>
+                        <a:buSzTx/>
+                        <a:buFontTx/>
+                        <a:buNone/>
+                        <a:tabLst/>
+                        <a:defRPr/>
+                      </a:pPr>
+                      <a:r>
+                        <a:rPr lang="en-US" altLang="ko-KR" sz="1600" dirty="0"/>
+                        <a:t>100%</a:t>
+                      </a:r>
+                      <a:endParaRPr lang="ko-KR" altLang="en-US" sz="1600" dirty="0"/>
+                    </a:p>
+                    <a:p>
+                      <a:pPr latinLnBrk="1"/>
+                      <a:endParaRPr lang="ko-KR" altLang="en-US" sz="1600" dirty="0"/>
+                    </a:p>
+                  </a:txBody>
+                  <a:tcPr/>
+                </a:tc>
+                <a:extLst>
+                  <a:ext uri="{0D108BD9-81ED-4DB2-BD59-A6C34878D82A}">
+                    <a16:rowId xmlns:a16="http://schemas.microsoft.com/office/drawing/2014/main" val="3079507104"/>
+                  </a:ext>
+                </a:extLst>
+              </a:tr>
+              <a:tr h="524491">
+                <a:tc>
+                  <a:txBody>
+                    <a:bodyPr/>
+                    <a:lstStyle/>
+                    <a:p>
+                      <a:pPr latinLnBrk="1"/>
+                      <a:r>
+                        <a:rPr lang="en-US" altLang="ko-KR" sz="1600" dirty="0"/>
+                        <a:t>5</a:t>
+                      </a:r>
+                      <a:r>
+                        <a:rPr lang="ko-KR" altLang="en-US" sz="1600" dirty="0"/>
+                        <a:t>주</a:t>
+                      </a:r>
+                      <a:endParaRPr lang="en-US" altLang="ko-KR" sz="1600" dirty="0"/>
+                    </a:p>
+                    <a:p>
+                      <a:pPr latinLnBrk="1"/>
+                      <a:r>
+                        <a:rPr lang="en-US" altLang="ko-KR" sz="1600" dirty="0"/>
+                        <a:t>(5.26~6.1)</a:t>
+                      </a:r>
+                      <a:endParaRPr lang="ko-KR" altLang="en-US" sz="1600" dirty="0"/>
+                    </a:p>
+                  </a:txBody>
+                  <a:tcPr/>
+                </a:tc>
+                <a:tc gridSpan="2">
+                  <a:txBody>
+                    <a:bodyPr/>
+                    <a:lstStyle/>
+                    <a:p>
+                      <a:pPr algn="ctr" latinLnBrk="1"/>
+                      <a:r>
+                        <a:rPr lang="ko-KR" altLang="en-US" sz="1600" dirty="0"/>
+                        <a:t>중간 발표 </a:t>
+                      </a:r>
+                      <a:r>
+                        <a:rPr lang="en-US" altLang="ko-KR" sz="1600" dirty="0"/>
+                        <a:t>5/31</a:t>
+                      </a:r>
+                      <a:endParaRPr lang="ko-KR" altLang="en-US" sz="1600" b="1" dirty="0">
+                        <a:solidFill>
+                          <a:srgbClr val="FF0000"/>
+                        </a:solidFill>
+                      </a:endParaRPr>
+                    </a:p>
+                  </a:txBody>
+                  <a:tcPr/>
+                </a:tc>
+                <a:tc hMerge="1">
+                  <a:txBody>
+                    <a:bodyPr/>
+                    <a:lstStyle/>
+                    <a:p>
+                      <a:pPr latinLnBrk="1"/>
+                      <a:endParaRPr lang="ko-KR" altLang="en-US" sz="1600" dirty="0"/>
+                    </a:p>
+                  </a:txBody>
+                  <a:tcPr/>
+                </a:tc>
+                <a:tc>
+                  <a:txBody>
+                    <a:bodyPr/>
+                    <a:lstStyle/>
+                    <a:p>
+                      <a:pPr latinLnBrk="1"/>
+                      <a:endParaRPr lang="ko-KR" altLang="en-US" sz="1600" dirty="0"/>
+                    </a:p>
+                  </a:txBody>
+                  <a:tcPr/>
+                </a:tc>
+                <a:extLst>
+                  <a:ext uri="{0D108BD9-81ED-4DB2-BD59-A6C34878D82A}">
+                    <a16:rowId xmlns:a16="http://schemas.microsoft.com/office/drawing/2014/main" val="94333453"/>
+                  </a:ext>
+                </a:extLst>
+              </a:tr>
+              <a:tr h="462750">
+                <a:tc>
+                  <a:txBody>
+                    <a:bodyPr/>
+                    <a:lstStyle/>
+                    <a:p>
+                      <a:pPr latinLnBrk="1"/>
+                      <a:r>
+                        <a:rPr lang="en-US" altLang="ko-KR" sz="1600" dirty="0"/>
+                        <a:t>6</a:t>
+                      </a:r>
+                      <a:r>
+                        <a:rPr lang="ko-KR" altLang="en-US" sz="1600" dirty="0"/>
+                        <a:t>주</a:t>
+                      </a:r>
+                      <a:endParaRPr lang="en-US" altLang="ko-KR" sz="1600" dirty="0"/>
+                    </a:p>
+                    <a:p>
+                      <a:pPr latinLnBrk="1"/>
+                      <a:r>
+                        <a:rPr lang="en-US" altLang="ko-KR" sz="1600" dirty="0"/>
+                        <a:t>(6.2~6.8)</a:t>
+                      </a:r>
+                      <a:endParaRPr lang="ko-KR" altLang="en-US" sz="1600" dirty="0"/>
+                    </a:p>
+                  </a:txBody>
+                  <a:tcPr/>
+                </a:tc>
+                <a:tc>
+                  <a:txBody>
+                    <a:bodyPr/>
+                    <a:lstStyle/>
+                    <a:p>
+                      <a:pPr marL="0" marR="0" indent="0" algn="l" defTabSz="914400" rtl="0" eaLnBrk="1" fontAlgn="auto" latinLnBrk="1" hangingPunct="1">
+                        <a:lnSpc>
+                          <a:spcPct val="100000"/>
+                        </a:lnSpc>
+                        <a:spcBef>
+                          <a:spcPts val="0"/>
+                        </a:spcBef>
+                        <a:spcAft>
+                          <a:spcPts val="0"/>
+                        </a:spcAft>
+                        <a:buClrTx/>
+                        <a:buSzTx/>
+                        <a:buFontTx/>
+                        <a:buNone/>
+                        <a:tabLst/>
+                        <a:defRPr/>
+                      </a:pPr>
+                      <a:r>
+                        <a:rPr lang="en-US" altLang="ko-KR" sz="1600" dirty="0"/>
+                        <a:t>tkinter GUI </a:t>
+                      </a:r>
+                      <a:r>
+                        <a:rPr lang="ko-KR" altLang="en-US" sz="1600" dirty="0"/>
+                        <a:t>구현</a:t>
+                      </a:r>
+                      <a:r>
+                        <a:rPr lang="en-US" altLang="ko-KR" sz="1600" dirty="0"/>
+                        <a:t>, </a:t>
+                      </a:r>
+                      <a:r>
+                        <a:rPr lang="ko-KR" altLang="en-US" sz="1600" dirty="0"/>
+                        <a:t> 지도 기능</a:t>
+                      </a:r>
+                    </a:p>
+                  </a:txBody>
+                  <a:tcPr/>
+                </a:tc>
+                <a:tc>
+                  <a:txBody>
+                    <a:bodyPr/>
+                    <a:lstStyle/>
+                    <a:p>
+                      <a:pPr latinLnBrk="1"/>
+                      <a:r>
+                        <a:rPr lang="en-US" altLang="ko-KR" sz="1600" dirty="0"/>
+                        <a:t>GUI, </a:t>
+                      </a:r>
+                      <a:r>
+                        <a:rPr lang="ko-KR" altLang="en-US" sz="1600" dirty="0"/>
+                        <a:t>주소를 기반으로 지도 기능 구현</a:t>
+                      </a:r>
+                    </a:p>
+                  </a:txBody>
+                  <a:tcPr/>
+                </a:tc>
+                <a:tc>
+                  <a:txBody>
+                    <a:bodyPr/>
+                    <a:lstStyle/>
+                    <a:p>
+                      <a:pPr latinLnBrk="1"/>
+                      <a:endParaRPr lang="ko-KR" altLang="en-US" sz="1600" dirty="0"/>
+                    </a:p>
+                  </a:txBody>
+                  <a:tcPr/>
+                </a:tc>
+                <a:extLst>
+                  <a:ext uri="{0D108BD9-81ED-4DB2-BD59-A6C34878D82A}">
+                    <a16:rowId xmlns:a16="http://schemas.microsoft.com/office/drawing/2014/main" val="3155219568"/>
+                  </a:ext>
+                </a:extLst>
+              </a:tr>
+              <a:tr h="524491">
+                <a:tc>
+                  <a:txBody>
+                    <a:bodyPr/>
+                    <a:lstStyle/>
+                    <a:p>
+                      <a:pPr latinLnBrk="1"/>
+                      <a:r>
+                        <a:rPr lang="en-US" altLang="ko-KR" sz="1600" dirty="0"/>
+                        <a:t>7</a:t>
+                      </a:r>
+                      <a:r>
+                        <a:rPr lang="ko-KR" altLang="en-US" sz="1600" dirty="0"/>
+                        <a:t>주</a:t>
+                      </a:r>
+                      <a:endParaRPr lang="en-US" altLang="ko-KR" sz="1600" dirty="0"/>
+                    </a:p>
+                    <a:p>
+                      <a:pPr latinLnBrk="1"/>
+                      <a:r>
+                        <a:rPr lang="en-US" altLang="ko-KR" sz="1600" dirty="0"/>
+                        <a:t>(6.9~6.15)</a:t>
+                      </a:r>
+                      <a:endParaRPr lang="ko-KR" altLang="en-US" sz="1600" dirty="0"/>
+                    </a:p>
+                  </a:txBody>
+                  <a:tcPr/>
+                </a:tc>
+                <a:tc>
+                  <a:txBody>
+                    <a:bodyPr/>
+                    <a:lstStyle/>
+                    <a:p>
+                      <a:pPr marL="0" marR="0" indent="0" algn="l" defTabSz="914400" rtl="0" eaLnBrk="1" fontAlgn="auto" latinLnBrk="1" hangingPunct="1">
+                        <a:lnSpc>
+                          <a:spcPct val="100000"/>
+                        </a:lnSpc>
+                        <a:spcBef>
+                          <a:spcPts val="0"/>
+                        </a:spcBef>
+                        <a:spcAft>
+                          <a:spcPts val="0"/>
+                        </a:spcAft>
+                        <a:buClrTx/>
+                        <a:buSzTx/>
+                        <a:buFontTx/>
+                        <a:buNone/>
+                        <a:tabLst/>
+                        <a:defRPr/>
+                      </a:pPr>
+                      <a:r>
+                        <a:rPr lang="ko-KR" altLang="en-US" sz="1600" baseline="0" dirty="0"/>
+                        <a:t>이메일 </a:t>
+                      </a:r>
+                      <a:endParaRPr lang="ko-KR" altLang="en-US" sz="1600" dirty="0"/>
+                    </a:p>
+                  </a:txBody>
+                  <a:tcPr/>
+                </a:tc>
+                <a:tc>
+                  <a:txBody>
+                    <a:bodyPr/>
+                    <a:lstStyle/>
+                    <a:p>
+                      <a:pPr latinLnBrk="1"/>
+                      <a:r>
+                        <a:rPr lang="ko-KR" altLang="en-US" sz="1600" dirty="0"/>
+                        <a:t>이메일 등 추가 기능 구현</a:t>
+                      </a:r>
+                    </a:p>
+                  </a:txBody>
+                  <a:tcPr/>
+                </a:tc>
+                <a:tc>
+                  <a:txBody>
+                    <a:bodyPr/>
+                    <a:lstStyle/>
+                    <a:p>
+                      <a:pPr latinLnBrk="1"/>
+                      <a:endParaRPr lang="ko-KR" altLang="en-US" sz="1600" dirty="0"/>
+                    </a:p>
+                  </a:txBody>
+                  <a:tcPr/>
+                </a:tc>
+                <a:extLst>
+                  <a:ext uri="{0D108BD9-81ED-4DB2-BD59-A6C34878D82A}">
+                    <a16:rowId xmlns:a16="http://schemas.microsoft.com/office/drawing/2014/main" val="1083539043"/>
+                  </a:ext>
+                </a:extLst>
+              </a:tr>
+              <a:tr h="635217">
+                <a:tc>
+                  <a:txBody>
+                    <a:bodyPr/>
+                    <a:lstStyle/>
+                    <a:p>
+                      <a:pPr latinLnBrk="1"/>
+                      <a:r>
+                        <a:rPr lang="en-US" altLang="ko-KR" sz="1600" dirty="0"/>
+                        <a:t>8</a:t>
+                      </a:r>
+                      <a:r>
+                        <a:rPr lang="ko-KR" altLang="en-US" sz="1600" dirty="0"/>
+                        <a:t>주</a:t>
+                      </a:r>
+                      <a:endParaRPr lang="en-US" altLang="ko-KR" sz="1600" dirty="0"/>
+                    </a:p>
+                    <a:p>
+                      <a:pPr latinLnBrk="1"/>
+                      <a:r>
+                        <a:rPr lang="en-US" altLang="ko-KR" sz="1600" dirty="0"/>
+                        <a:t>(6.16~6.22)</a:t>
+                      </a:r>
+                      <a:endParaRPr lang="ko-KR" altLang="en-US" sz="1600" dirty="0"/>
+                    </a:p>
+                  </a:txBody>
+                  <a:tcPr/>
+                </a:tc>
+                <a:tc>
+                  <a:txBody>
+                    <a:bodyPr/>
+                    <a:lstStyle/>
+                    <a:p>
+                      <a:pPr latinLnBrk="1"/>
+                      <a:r>
+                        <a:rPr lang="ko-KR" altLang="en-US" sz="1600" dirty="0"/>
+                        <a:t>배포파일작성</a:t>
+                      </a:r>
+                      <a:r>
+                        <a:rPr lang="en-US" altLang="ko-KR" sz="1600" dirty="0"/>
+                        <a:t>,</a:t>
+                      </a:r>
+                      <a:r>
+                        <a:rPr lang="en-US" altLang="ko-KR" sz="1600" baseline="0" dirty="0"/>
+                        <a:t> </a:t>
+                      </a:r>
+                    </a:p>
+                    <a:p>
+                      <a:pPr latinLnBrk="1"/>
+                      <a:r>
+                        <a:rPr lang="ko-KR" altLang="en-US" sz="1600" dirty="0"/>
+                        <a:t>최종구현 발표</a:t>
+                      </a:r>
+                      <a:r>
+                        <a:rPr lang="en-US" altLang="ko-KR" sz="1600" dirty="0"/>
+                        <a:t> 6/14</a:t>
+                      </a:r>
+                      <a:endParaRPr lang="ko-KR" altLang="en-US" sz="1600" b="1" dirty="0">
+                        <a:solidFill>
+                          <a:srgbClr val="FF0000"/>
+                        </a:solidFill>
+                      </a:endParaRPr>
+                    </a:p>
+                  </a:txBody>
+                  <a:tcPr/>
+                </a:tc>
+                <a:tc>
+                  <a:txBody>
+                    <a:bodyPr/>
+                    <a:lstStyle/>
+                    <a:p>
+                      <a:pPr latinLnBrk="1"/>
+                      <a:r>
+                        <a:rPr lang="ko-KR" altLang="en-US" sz="1600" baseline="0" dirty="0"/>
+                        <a:t>배포파일</a:t>
+                      </a:r>
+                      <a:endParaRPr lang="en-US" altLang="ko-KR" sz="1600" baseline="0" dirty="0"/>
+                    </a:p>
+                    <a:p>
+                      <a:pPr latinLnBrk="1"/>
+                      <a:r>
+                        <a:rPr lang="en-US" altLang="ko-KR" sz="1600" dirty="0"/>
+                        <a:t>YouTube</a:t>
+                      </a:r>
+                      <a:r>
+                        <a:rPr lang="en-US" altLang="ko-KR" sz="1600" baseline="0" dirty="0"/>
+                        <a:t> </a:t>
+                      </a:r>
+                      <a:r>
+                        <a:rPr lang="ko-KR" altLang="en-US" sz="1600" baseline="0" dirty="0"/>
+                        <a:t>활용</a:t>
+                      </a:r>
+                      <a:r>
+                        <a:rPr lang="en-US" altLang="ko-KR" sz="1600" baseline="0" dirty="0"/>
+                        <a:t> </a:t>
+                      </a:r>
+                      <a:r>
+                        <a:rPr lang="ko-KR" altLang="en-US" sz="1600" baseline="0" dirty="0"/>
+                        <a:t>최종 시연 발표</a:t>
+                      </a:r>
+                      <a:endParaRPr lang="ko-KR" altLang="en-US" sz="1600" dirty="0"/>
+                    </a:p>
+                  </a:txBody>
+                  <a:tcPr/>
+                </a:tc>
+                <a:tc>
+                  <a:txBody>
+                    <a:bodyPr/>
+                    <a:lstStyle/>
+                    <a:p>
+                      <a:pPr latinLnBrk="1"/>
+                      <a:endParaRPr lang="ko-KR" altLang="en-US" sz="1600" dirty="0"/>
+                    </a:p>
+                  </a:txBody>
+                  <a:tcPr/>
+                </a:tc>
+                <a:extLst>
+                  <a:ext uri="{0D108BD9-81ED-4DB2-BD59-A6C34878D82A}">
+                    <a16:rowId xmlns:a16="http://schemas.microsoft.com/office/drawing/2014/main" val="746666000"/>
+                  </a:ext>
+                </a:extLst>
+              </a:tr>
+            </a:tbl>
+          </a:graphicData>
+        </a:graphic>
+      </p:graphicFrame>
+    </p:spTree>
+  </p:cSld>
+  <p:clrMapOvr>
+    <a:masterClrMapping/>
+  </p:clrMapOvr>
+</p:sld>
+</file>
+
+<file path=ppt/slides/slide11.xml><?xml version="1.0" encoding="utf-8"?>
+<p:sld xmlns:a="http://schemas.openxmlformats.org/drawingml/2006/main" xmlns:r="http://schemas.openxmlformats.org/officeDocument/2006/relationships" xmlns:p="http://schemas.openxmlformats.org/presentationml/2006/main">
+  <p:cSld>
+    <p:spTree>
+      <p:nvGrpSpPr>
+        <p:cNvPr id="1" name=""/>
+        <p:cNvGrpSpPr/>
+        <p:nvPr/>
+      </p:nvGrpSpPr>
+      <p:grpSpPr>
+        <a:xfrm>
+          <a:off x="0" y="0"/>
+          <a:ext cx="0" cy="0"/>
+          <a:chOff x="0" y="0"/>
+          <a:chExt cx="0" cy="0"/>
+        </a:xfrm>
+      </p:grpSpPr>
       <p:graphicFrame>
         <p:nvGraphicFramePr>
           <p:cNvPr id="4" name="내용 개체 틀 3"/>
@@ -4293,7 +5345,7 @@
             <p:ph idx="1"/>
             <p:extLst>
               <p:ext uri="{D42A27DB-BD31-4B8C-83A1-F6EECF244321}">
-                <p14:modId xmlns:p14="http://schemas.microsoft.com/office/powerpoint/2010/main" val="3220913786"/>
+                <p14:modId xmlns:p14="http://schemas.microsoft.com/office/powerpoint/2010/main" val="1943502166"/>
               </p:ext>
             </p:extLst>
           </p:nvPr>
@@ -4406,26 +5458,19 @@
                       </a:r>
                       <a:r>
                         <a:rPr lang="en-US" altLang="ko-KR" dirty="0"/>
-                        <a:t>), </a:t>
-                      </a:r>
-                      <a:r>
-                        <a:rPr lang="ko-KR" altLang="en-US" dirty="0"/>
-                        <a:t>포스터 이미지 출력</a:t>
-                      </a:r>
-                      <a:r>
-                        <a:rPr lang="en-US" altLang="ko-KR" dirty="0"/>
-                        <a:t>,</a:t>
-                      </a:r>
-                    </a:p>
-                    <a:p>
-                      <a:pPr latinLnBrk="1"/>
-                      <a:r>
-                        <a:rPr lang="en-US" altLang="ko-KR" dirty="0"/>
-                        <a:t>GUI </a:t>
+                        <a:t>) , GUI </a:t>
                       </a:r>
                       <a:r>
                         <a:rPr lang="ko-KR" altLang="en-US" dirty="0"/>
                         <a:t>구현</a:t>
+                      </a:r>
+                      <a:r>
+                        <a:rPr lang="en-US" altLang="ko-KR" dirty="0"/>
+                        <a:t>, </a:t>
+                      </a:r>
+                      <a:r>
+                        <a:rPr lang="ko-KR" altLang="en-US" dirty="0"/>
+                        <a:t>지도 연동 기능</a:t>
                       </a:r>
                     </a:p>
                   </a:txBody>
@@ -4494,12 +5539,25 @@
                         <a:rPr lang="en-US" altLang="ko-KR" dirty="0"/>
                         <a:t>),  </a:t>
                       </a:r>
+                      <a:r>
+                        <a:rPr lang="ko-KR" altLang="en-US" dirty="0"/>
+                        <a:t>새로운 기능</a:t>
+                      </a:r>
+                      <a:endParaRPr lang="en-US" altLang="ko-KR" dirty="0"/>
                     </a:p>
                     <a:p>
                       <a:pPr latinLnBrk="1"/>
                       <a:r>
                         <a:rPr lang="ko-KR" altLang="en-US" dirty="0"/>
                         <a:t>메일 기능</a:t>
+                      </a:r>
+                      <a:r>
+                        <a:rPr lang="en-US" altLang="ko-KR" dirty="0"/>
+                        <a:t>, </a:t>
+                      </a:r>
+                      <a:r>
+                        <a:rPr lang="ko-KR" altLang="en-US" dirty="0"/>
+                        <a:t>배포 파일 작성</a:t>
                       </a:r>
                       <a:endParaRPr lang="en-US" altLang="ko-KR" dirty="0"/>
                     </a:p>
@@ -7697,7 +8755,7 @@
             </a:r>
             <a:r>
               <a:rPr lang="ko-KR" altLang="en-US" sz="2800" dirty="0"/>
-              <a:t>포스터 </a:t>
+              <a:t>지도 연동 기능</a:t>
             </a:r>
             <a:r>
               <a:rPr kumimoji="0" lang="ko-KR" altLang="en-US" sz="2800" b="0" i="0" u="none" strike="noStrike" kern="1200" cap="none" spc="0" normalizeH="0" baseline="0" noProof="0" dirty="0">
@@ -7714,7 +8772,7 @@
                 <a:ea typeface="+mn-ea"/>
                 <a:cs typeface="+mn-cs"/>
               </a:rPr>
-              <a:t>출력기능 </a:t>
+              <a:t> </a:t>
             </a:r>
             <a:r>
               <a:rPr kumimoji="0" lang="en-US" altLang="ko-KR" sz="2800" b="0" i="0" u="none" strike="noStrike" kern="1200" cap="none" spc="0" normalizeH="0" baseline="0" noProof="0" dirty="0">
@@ -7803,7 +8861,7 @@
                 <a:ea typeface="+mj-ea"/>
                 <a:cs typeface="+mn-cs"/>
               </a:rPr>
-              <a:t>	    </a:t>
+              <a:t>	   </a:t>
             </a:r>
             <a:r>
               <a:rPr kumimoji="0" lang="ko-KR" altLang="en-US" sz="2000" b="0" i="0" u="none" strike="noStrike" kern="1200" cap="none" spc="0" normalizeH="0" baseline="0" noProof="0" dirty="0">
@@ -7820,22 +8878,25 @@
                 <a:ea typeface="+mj-ea"/>
                 <a:cs typeface="+mn-cs"/>
               </a:rPr>
-              <a:t>문화행사를 검색하면</a:t>
-            </a:r>
-            <a:endParaRPr kumimoji="0" lang="en-US" altLang="ko-KR" sz="2000" b="0" i="0" u="none" strike="noStrike" kern="1200" cap="none" spc="0" normalizeH="0" baseline="0" noProof="0" dirty="0">
-              <a:ln>
-                <a:noFill/>
-              </a:ln>
-              <a:solidFill>
-                <a:schemeClr val="tx1"/>
-              </a:solidFill>
-              <a:effectLst/>
-              <a:uLnTx/>
-              <a:uFillTx/>
-              <a:latin typeface="+mj-ea"/>
-              <a:ea typeface="+mj-ea"/>
-              <a:cs typeface="+mn-cs"/>
-            </a:endParaRPr>
+              <a:t>문화시설의 위치를 지도에 출력</a:t>
+            </a:r>
+            <a:r>
+              <a:rPr kumimoji="0" lang="en-US" altLang="ko-KR" sz="2000" b="0" i="0" u="none" strike="noStrike" kern="1200" cap="none" spc="0" normalizeH="0" baseline="0" noProof="0" dirty="0">
+                <a:ln>
+                  <a:noFill/>
+                </a:ln>
+                <a:solidFill>
+                  <a:schemeClr val="tx1"/>
+                </a:solidFill>
+                <a:effectLst/>
+                <a:uLnTx/>
+                <a:uFillTx/>
+                <a:latin typeface="+mj-ea"/>
+                <a:ea typeface="+mj-ea"/>
+                <a:cs typeface="+mn-cs"/>
+              </a:rPr>
+              <a:t>.</a:t>
+            </a:r>
           </a:p>
           <a:p>
             <a:pPr marL="624078" marR="0" lvl="0" indent="-514350" algn="l" defTabSz="914400" rtl="0" eaLnBrk="1" fontAlgn="auto" latinLnBrk="1" hangingPunct="1">
@@ -7862,21 +8923,28 @@
                 <a:latin typeface="+mj-ea"/>
                 <a:ea typeface="+mj-ea"/>
               </a:rPr>
-              <a:t>	   </a:t>
+              <a:t>		- </a:t>
             </a:r>
             <a:r>
               <a:rPr lang="ko-KR" altLang="en-US" sz="2000" dirty="0">
                 <a:latin typeface="+mj-ea"/>
                 <a:ea typeface="+mj-ea"/>
               </a:rPr>
-              <a:t>해당되는 문화행사의 포스터가 출력된다</a:t>
+              <a:t>교통편 검색기능에서 </a:t>
             </a:r>
             <a:r>
               <a:rPr lang="en-US" altLang="ko-KR" sz="2000" dirty="0">
                 <a:latin typeface="+mj-ea"/>
                 <a:ea typeface="+mj-ea"/>
               </a:rPr>
-              <a:t>.</a:t>
+              <a:t>	</a:t>
+            </a:r>
+            <a:r>
+              <a:rPr lang="ko-KR" altLang="en-US" sz="2000" dirty="0">
+                <a:latin typeface="+mj-ea"/>
+                <a:ea typeface="+mj-ea"/>
+              </a:rPr>
+              <a:t>바로가기 가능</a:t>
             </a:r>
             <a:endParaRPr kumimoji="0" lang="en-US" altLang="ko-KR" sz="2000" b="0" i="0" u="none" strike="noStrike" kern="1200" cap="none" spc="0" normalizeH="0" baseline="0" noProof="0" dirty="0">
               <a:ln>
@@ -7963,39 +9031,32 @@
           </a:p>
         </p:txBody>
       </p:sp>
-      <p:pic>
-        <p:nvPicPr>
-          <p:cNvPr id="6" name="내용 개체 틀 5" descr="스크린샷이(가) 표시된 사진&#10;&#10;매우 높은 신뢰도로 생성된 설명"/>
-          <p:cNvPicPr>
-            <a:picLocks noGrp="1" noChangeAspect="1"/>
-          </p:cNvPicPr>
+      <p:sp>
+        <p:nvSpPr>
+          <p:cNvPr id="3" name="내용 개체 틀 2"/>
+          <p:cNvSpPr>
+            <a:spLocks noGrp="1"/>
+          </p:cNvSpPr>
           <p:nvPr>
             <p:ph idx="1"/>
           </p:nvPr>
-        </p:nvPicPr>
-        <p:blipFill>
-          <a:blip r:embed="rId2">
-            <a:extLst>
-              <a:ext uri="{28A0092B-C50C-407E-A947-70E740481C1C}">
-                <a14:useLocalDpi xmlns:a14="http://schemas.microsoft.com/office/drawing/2010/main" val="0"/>
-              </a:ext>
-            </a:extLst>
-          </a:blip>
-          <a:stretch>
-            <a:fillRect/>
-          </a:stretch>
-        </p:blipFill>
-        <p:spPr>
-          <a:xfrm>
-            <a:off x="3048443" y="2128986"/>
-            <a:ext cx="3047115" cy="4324350"/>
-          </a:xfrm>
-        </p:spPr>
-      </p:pic>
+        </p:nvSpPr>
+        <p:spPr/>
+        <p:txBody>
+          <a:bodyPr/>
+          <a:lstStyle/>
+          <a:p>
+            <a:pPr marL="109728" indent="0">
+              <a:buNone/>
+            </a:pPr>
+            <a:endParaRPr lang="ko-KR" altLang="en-US" dirty="0"/>
+          </a:p>
+        </p:txBody>
+      </p:sp>
     </p:spTree>
     <p:extLst>
       <p:ext uri="{BB962C8B-B14F-4D97-AF65-F5344CB8AC3E}">
-        <p14:creationId xmlns:p14="http://schemas.microsoft.com/office/powerpoint/2010/main" val="144557833"/>
+        <p14:creationId xmlns:p14="http://schemas.microsoft.com/office/powerpoint/2010/main" val="2449712580"/>
       </p:ext>
     </p:extLst>
   </p:cSld>
@@ -8072,7 +9133,7 @@
             </a:r>
             <a:r>
               <a:rPr lang="en-US" altLang="ko-KR" sz="2800" dirty="0"/>
-              <a:t> </a:t>
+              <a:t>  </a:t>
             </a:r>
             <a:r>
               <a:rPr lang="ko-KR" altLang="en-US" sz="2800" dirty="0"/>
@@ -8144,11 +9205,11 @@
                 <a:ea typeface="+mn-ea"/>
                 <a:cs typeface="+mn-cs"/>
               </a:rPr>
-              <a:t>)</a:t>
-            </a:r>
-          </a:p>
-          <a:p>
-            <a:pPr marL="624078" marR="0" lvl="0" indent="-514350" algn="l" defTabSz="914400" rtl="0" eaLnBrk="1" fontAlgn="auto" latinLnBrk="1" hangingPunct="1">
+              <a:t>)	</a:t>
+            </a:r>
+          </a:p>
+          <a:p>
+            <a:pPr marL="109728" marR="0" lvl="0" algn="l" defTabSz="914400" rtl="0" eaLnBrk="1" fontAlgn="auto" latinLnBrk="1" hangingPunct="1">
               <a:lnSpc>
                 <a:spcPct val="100000"/>
               </a:lnSpc>
@@ -8162,135 +9223,26 @@
                 <a:schemeClr val="accent3"/>
               </a:buClr>
               <a:buSzTx/>
-              <a:buFont typeface="Georgia"/>
-              <a:buNone/>
               <a:tabLst/>
               <a:defRPr/>
             </a:pPr>
             <a:r>
-              <a:rPr kumimoji="0" lang="en-US" altLang="ko-KR" sz="2000" b="0" i="0" u="none" strike="noStrike" kern="1200" cap="none" spc="0" normalizeH="0" baseline="0" noProof="0" dirty="0">
-                <a:ln>
-                  <a:noFill/>
-                </a:ln>
-                <a:solidFill>
-                  <a:schemeClr val="tx1"/>
-                </a:solidFill>
-                <a:effectLst/>
-                <a:uLnTx/>
-                <a:uFillTx/>
-                <a:latin typeface="+mj-ea"/>
-                <a:ea typeface="+mj-ea"/>
-                <a:cs typeface="+mn-cs"/>
-              </a:rPr>
-              <a:t>	    </a:t>
-            </a:r>
-            <a:r>
-              <a:rPr kumimoji="0" lang="ko-KR" altLang="en-US" sz="2000" b="0" i="0" u="none" strike="noStrike" kern="1200" cap="none" spc="0" normalizeH="0" baseline="0" noProof="0" dirty="0">
-                <a:ln>
-                  <a:noFill/>
-                </a:ln>
-                <a:solidFill>
-                  <a:schemeClr val="tx1"/>
-                </a:solidFill>
-                <a:effectLst/>
-                <a:uLnTx/>
-                <a:uFillTx/>
-                <a:latin typeface="+mj-ea"/>
-                <a:ea typeface="+mj-ea"/>
-                <a:cs typeface="+mn-cs"/>
-              </a:rPr>
-              <a:t>문화행사 또는 문화시설에 관한 정보들을 </a:t>
-            </a:r>
-            <a:endParaRPr kumimoji="0" lang="en-US" altLang="ko-KR" sz="2000" b="0" i="0" u="none" strike="noStrike" kern="1200" cap="none" spc="0" normalizeH="0" baseline="0" noProof="0" dirty="0">
-              <a:ln>
-                <a:noFill/>
-              </a:ln>
-              <a:solidFill>
-                <a:schemeClr val="tx1"/>
-              </a:solidFill>
-              <a:effectLst/>
-              <a:uLnTx/>
-              <a:uFillTx/>
-              <a:latin typeface="+mj-ea"/>
-              <a:ea typeface="+mj-ea"/>
-              <a:cs typeface="+mn-cs"/>
-            </a:endParaRPr>
-          </a:p>
-          <a:p>
-            <a:pPr marL="624078" marR="0" lvl="0" indent="-514350" algn="l" defTabSz="914400" rtl="0" eaLnBrk="1" fontAlgn="auto" latinLnBrk="1" hangingPunct="1">
-              <a:lnSpc>
-                <a:spcPct val="100000"/>
-              </a:lnSpc>
-              <a:spcBef>
-                <a:spcPts val="300"/>
-              </a:spcBef>
-              <a:spcAft>
-                <a:spcPts val="0"/>
-              </a:spcAft>
-              <a:buClr>
-                <a:schemeClr val="accent3"/>
-              </a:buClr>
-              <a:buSzTx/>
-              <a:buFont typeface="Georgia"/>
-              <a:buNone/>
-              <a:tabLst/>
-              <a:defRPr/>
-            </a:pPr>
-            <a:r>
-              <a:rPr kumimoji="0" lang="en-US" altLang="ko-KR" sz="2000" b="0" i="0" u="none" strike="noStrike" kern="1200" cap="none" spc="0" normalizeH="0" baseline="0" noProof="0" dirty="0">
-                <a:ln>
-                  <a:noFill/>
-                </a:ln>
-                <a:solidFill>
-                  <a:schemeClr val="tx1"/>
-                </a:solidFill>
-                <a:effectLst/>
-                <a:uLnTx/>
-                <a:uFillTx/>
-                <a:latin typeface="+mj-ea"/>
-                <a:ea typeface="+mj-ea"/>
-                <a:cs typeface="+mn-cs"/>
-              </a:rPr>
-              <a:t>	   </a:t>
-            </a:r>
-            <a:r>
-              <a:rPr kumimoji="0" lang="ko-KR" altLang="en-US" sz="2000" b="0" i="0" u="none" strike="noStrike" kern="1200" cap="none" spc="0" normalizeH="0" baseline="0" noProof="0" dirty="0">
-                <a:ln>
-                  <a:noFill/>
-                </a:ln>
-                <a:solidFill>
-                  <a:schemeClr val="tx1"/>
-                </a:solidFill>
-                <a:effectLst/>
-                <a:uLnTx/>
-                <a:uFillTx/>
-                <a:latin typeface="+mj-ea"/>
-                <a:ea typeface="+mj-ea"/>
-                <a:cs typeface="+mn-cs"/>
-              </a:rPr>
-              <a:t>메일로 전송하는 </a:t>
-            </a:r>
-            <a:r>
-              <a:rPr lang="ko-KR" altLang="en-US" sz="2000" dirty="0">
-                <a:latin typeface="+mj-ea"/>
-                <a:ea typeface="+mj-ea"/>
-              </a:rPr>
-              <a:t>기능</a:t>
-            </a:r>
-            <a:endParaRPr kumimoji="0" lang="en-US" altLang="ko-KR" sz="2000" b="0" i="0" u="none" strike="noStrike" kern="1200" cap="none" spc="0" normalizeH="0" baseline="0" noProof="0" dirty="0">
-              <a:ln>
-                <a:noFill/>
-              </a:ln>
-              <a:solidFill>
-                <a:schemeClr val="tx1"/>
-              </a:solidFill>
-              <a:effectLst/>
-              <a:uLnTx/>
-              <a:uFillTx/>
-              <a:latin typeface="+mj-ea"/>
-              <a:ea typeface="+mj-ea"/>
-              <a:cs typeface="+mn-cs"/>
-            </a:endParaRPr>
+              <a:rPr lang="en-US" altLang="ko-KR" sz="2800" dirty="0"/>
+              <a:t>	</a:t>
+            </a:r>
+            <a:r>
+              <a:rPr lang="ko-KR" altLang="en-US" sz="2000" dirty="0"/>
+              <a:t>문화행사 또는 문화시설의 정보를</a:t>
+            </a:r>
+            <a:r>
+              <a:rPr lang="en-US" altLang="ko-KR" sz="2000" dirty="0"/>
+              <a:t> </a:t>
+            </a:r>
+            <a:r>
+              <a:rPr lang="ko-KR" altLang="en-US" sz="2000" dirty="0"/>
+              <a:t>메일로 전송하는 기능</a:t>
+            </a:r>
+            <a:endParaRPr lang="en-US" altLang="ko-KR" sz="2800" dirty="0"/>
           </a:p>
         </p:txBody>
       </p:sp>
@@ -8416,1027 +9368,259 @@
       </p:grpSpPr>
       <p:sp>
         <p:nvSpPr>
-          <p:cNvPr id="2" name="제목 1"/>
-          <p:cNvSpPr>
-            <a:spLocks noGrp="1"/>
+          <p:cNvPr id="9" name="내용 개체 틀 2"/>
+          <p:cNvSpPr txBox="1">
+            <a:spLocks/>
           </p:cNvSpPr>
-          <p:nvPr>
-            <p:ph type="title"/>
-          </p:nvPr>
+          <p:nvPr/>
+        </p:nvSpPr>
+        <p:spPr>
+          <a:xfrm>
+            <a:off x="611560" y="836712"/>
+            <a:ext cx="7920880" cy="1584176"/>
+          </a:xfrm>
+          <a:prstGeom prst="rect">
+            <a:avLst/>
+          </a:prstGeom>
+        </p:spPr>
+        <p:txBody>
+          <a:bodyPr vert="horz">
+            <a:normAutofit/>
+          </a:bodyPr>
+          <a:lstStyle/>
+          <a:p>
+            <a:pPr marL="109728" marR="0" lvl="0" algn="l" defTabSz="914400" rtl="0" eaLnBrk="1" fontAlgn="auto" latinLnBrk="1" hangingPunct="1">
+              <a:lnSpc>
+                <a:spcPct val="100000"/>
+              </a:lnSpc>
+              <a:spcBef>
+                <a:spcPts val="300"/>
+              </a:spcBef>
+              <a:spcAft>
+                <a:spcPts val="0"/>
+              </a:spcAft>
+              <a:buClr>
+                <a:schemeClr val="accent3"/>
+              </a:buClr>
+              <a:buSzTx/>
+              <a:tabLst/>
+              <a:defRPr/>
+            </a:pPr>
+            <a:r>
+              <a:rPr lang="en-US" altLang="ko-KR" sz="2800" dirty="0">
+                <a:solidFill>
+                  <a:schemeClr val="accent3"/>
+                </a:solidFill>
+              </a:rPr>
+              <a:t>6.</a:t>
+            </a:r>
+            <a:r>
+              <a:rPr lang="en-US" altLang="ko-KR" sz="2800" dirty="0"/>
+              <a:t>  </a:t>
+            </a:r>
+            <a:r>
+              <a:rPr lang="ko-KR" altLang="en-US" sz="2800" dirty="0"/>
+              <a:t>새로운 기능</a:t>
+            </a:r>
+            <a:r>
+              <a:rPr kumimoji="0" lang="ko-KR" altLang="en-US" sz="2800" b="0" i="0" u="none" strike="noStrike" kern="1200" cap="none" spc="0" normalizeH="0" baseline="0" noProof="0" dirty="0">
+                <a:ln>
+                  <a:noFill/>
+                </a:ln>
+                <a:solidFill>
+                  <a:schemeClr val="tx1"/>
+                </a:solidFill>
+                <a:effectLst/>
+                <a:uLnTx/>
+                <a:uFillTx/>
+                <a:latin typeface="+mn-lt"/>
+                <a:ea typeface="+mn-ea"/>
+                <a:cs typeface="+mn-cs"/>
+              </a:rPr>
+              <a:t> </a:t>
+            </a:r>
+            <a:r>
+              <a:rPr kumimoji="0" lang="en-US" altLang="ko-KR" sz="2800" b="0" i="0" u="none" strike="noStrike" kern="1200" cap="none" spc="0" normalizeH="0" baseline="0" noProof="0" dirty="0">
+                <a:ln>
+                  <a:noFill/>
+                </a:ln>
+                <a:solidFill>
+                  <a:schemeClr val="tx1"/>
+                </a:solidFill>
+                <a:effectLst/>
+                <a:uLnTx/>
+                <a:uFillTx/>
+                <a:latin typeface="+mn-lt"/>
+                <a:ea typeface="+mn-ea"/>
+                <a:cs typeface="+mn-cs"/>
+              </a:rPr>
+              <a:t>(</a:t>
+            </a:r>
+            <a:r>
+              <a:rPr lang="ko-KR" altLang="en-US" sz="2800" dirty="0"/>
+              <a:t>추가</a:t>
+            </a:r>
+            <a:r>
+              <a:rPr kumimoji="0" lang="ko-KR" altLang="en-US" sz="2800" b="0" i="0" u="none" strike="noStrike" kern="1200" cap="none" spc="0" normalizeH="0" baseline="0" noProof="0" dirty="0">
+                <a:ln>
+                  <a:noFill/>
+                </a:ln>
+                <a:solidFill>
+                  <a:schemeClr val="tx1"/>
+                </a:solidFill>
+                <a:effectLst/>
+                <a:uLnTx/>
+                <a:uFillTx/>
+                <a:latin typeface="+mn-lt"/>
+                <a:ea typeface="+mn-ea"/>
+                <a:cs typeface="+mn-cs"/>
+              </a:rPr>
+              <a:t> 예정</a:t>
+            </a:r>
+            <a:r>
+              <a:rPr kumimoji="0" lang="en-US" altLang="ko-KR" sz="2800" b="0" i="0" u="none" strike="noStrike" kern="1200" cap="none" spc="0" normalizeH="0" baseline="0" noProof="0" dirty="0">
+                <a:ln>
+                  <a:noFill/>
+                </a:ln>
+                <a:solidFill>
+                  <a:schemeClr val="tx1"/>
+                </a:solidFill>
+                <a:effectLst/>
+                <a:uLnTx/>
+                <a:uFillTx/>
+                <a:latin typeface="+mn-lt"/>
+                <a:ea typeface="+mn-ea"/>
+                <a:cs typeface="+mn-cs"/>
+              </a:rPr>
+              <a:t>)	</a:t>
+            </a:r>
+          </a:p>
+          <a:p>
+            <a:pPr marL="109728" marR="0" lvl="0" algn="l" defTabSz="914400" rtl="0" eaLnBrk="1" fontAlgn="auto" latinLnBrk="1" hangingPunct="1">
+              <a:lnSpc>
+                <a:spcPct val="100000"/>
+              </a:lnSpc>
+              <a:spcBef>
+                <a:spcPts val="300"/>
+              </a:spcBef>
+              <a:spcAft>
+                <a:spcPts val="0"/>
+              </a:spcAft>
+              <a:buClr>
+                <a:schemeClr val="accent3"/>
+              </a:buClr>
+              <a:buSzTx/>
+              <a:tabLst/>
+              <a:defRPr/>
+            </a:pPr>
+            <a:r>
+              <a:rPr lang="en-US" altLang="ko-KR" sz="2000" dirty="0"/>
+              <a:t>    </a:t>
+            </a:r>
+            <a:r>
+              <a:rPr lang="ko-KR" altLang="en-US" sz="2000" dirty="0"/>
+              <a:t>        주제와 맞고 편리한 기능 추가 예정</a:t>
+            </a:r>
+            <a:endParaRPr lang="en-US" altLang="ko-KR" sz="2800" dirty="0"/>
+          </a:p>
+        </p:txBody>
+      </p:sp>
+      <p:sp>
+        <p:nvSpPr>
+          <p:cNvPr id="10" name="제목 1"/>
+          <p:cNvSpPr txBox="1">
+            <a:spLocks/>
+          </p:cNvSpPr>
+          <p:nvPr/>
         </p:nvSpPr>
         <p:spPr>
           <a:xfrm>
             <a:off x="35496" y="116632"/>
             <a:ext cx="8229600" cy="1066800"/>
           </a:xfrm>
+          <a:prstGeom prst="rect">
+            <a:avLst/>
+          </a:prstGeom>
         </p:spPr>
         <p:txBody>
-          <a:bodyPr>
+          <a:bodyPr vert="horz" anchor="ctr">
             <a:normAutofit/>
           </a:bodyPr>
           <a:lstStyle/>
           <a:p>
-            <a:r>
-              <a:rPr lang="ko-KR" altLang="en-US" sz="2000" dirty="0"/>
-              <a:t>주차별 계획</a:t>
-            </a:r>
-          </a:p>
-        </p:txBody>
-      </p:sp>
-      <p:graphicFrame>
-        <p:nvGraphicFramePr>
-          <p:cNvPr id="5" name="표 4"/>
-          <p:cNvGraphicFramePr>
-            <a:graphicFrameLocks noGrp="1"/>
-          </p:cNvGraphicFramePr>
+            <a:pPr marL="0" marR="0" lvl="0" indent="0" algn="l" defTabSz="914400" rtl="0" eaLnBrk="1" fontAlgn="auto" latinLnBrk="1" hangingPunct="1">
+              <a:lnSpc>
+                <a:spcPct val="100000"/>
+              </a:lnSpc>
+              <a:spcBef>
+                <a:spcPct val="0"/>
+              </a:spcBef>
+              <a:spcAft>
+                <a:spcPts val="0"/>
+              </a:spcAft>
+              <a:buClrTx/>
+              <a:buSzTx/>
+              <a:buFontTx/>
+              <a:buNone/>
+              <a:tabLst/>
+              <a:defRPr/>
+            </a:pPr>
+            <a:r>
+              <a:rPr lang="ko-KR" altLang="en-US" sz="2000" dirty="0">
+                <a:solidFill>
+                  <a:schemeClr val="tx2"/>
+                </a:solidFill>
+                <a:latin typeface="+mj-lt"/>
+                <a:ea typeface="+mj-ea"/>
+                <a:cs typeface="+mj-cs"/>
+              </a:rPr>
+              <a:t>상세 기능</a:t>
+            </a:r>
+            <a:endParaRPr kumimoji="0" lang="ko-KR" altLang="en-US" sz="2000" b="0" i="0" u="none" strike="noStrike" kern="1200" cap="none" spc="0" normalizeH="0" baseline="0" noProof="0" dirty="0">
+              <a:ln>
+                <a:noFill/>
+              </a:ln>
+              <a:solidFill>
+                <a:schemeClr val="tx2"/>
+              </a:solidFill>
+              <a:effectLst/>
+              <a:uLnTx/>
+              <a:uFillTx/>
+              <a:latin typeface="+mj-lt"/>
+              <a:ea typeface="+mj-ea"/>
+              <a:cs typeface="+mj-cs"/>
+            </a:endParaRPr>
+          </a:p>
+        </p:txBody>
+      </p:sp>
+      <p:sp>
+        <p:nvSpPr>
+          <p:cNvPr id="3" name="내용 개체 틀 2"/>
+          <p:cNvSpPr>
+            <a:spLocks noGrp="1"/>
+          </p:cNvSpPr>
           <p:nvPr>
-            <p:extLst>
-              <p:ext uri="{D42A27DB-BD31-4B8C-83A1-F6EECF244321}">
-                <p14:modId xmlns:p14="http://schemas.microsoft.com/office/powerpoint/2010/main" val="3591629762"/>
-              </p:ext>
-            </p:extLst>
+            <p:ph idx="1"/>
           </p:nvPr>
-        </p:nvGraphicFramePr>
-        <p:xfrm>
-          <a:off x="153987" y="1196752"/>
-          <a:ext cx="8798371" cy="5221027"/>
-        </p:xfrm>
-        <a:graphic>
-          <a:graphicData uri="http://schemas.openxmlformats.org/drawingml/2006/table">
-            <a:tbl>
-              <a:tblPr firstRow="1" bandRow="1">
-                <a:tableStyleId>{85BE263C-DBD7-4A20-BB59-AAB30ACAA65A}</a:tableStyleId>
-              </a:tblPr>
-              <a:tblGrid>
-                <a:gridCol w="1249661">
-                  <a:extLst>
-                    <a:ext uri="{9D8B030D-6E8A-4147-A177-3AD203B41FA5}">
-                      <a16:colId xmlns:a16="http://schemas.microsoft.com/office/drawing/2014/main" val="3130116251"/>
-                    </a:ext>
-                  </a:extLst>
-                </a:gridCol>
-                <a:gridCol w="3240360">
-                  <a:extLst>
-                    <a:ext uri="{9D8B030D-6E8A-4147-A177-3AD203B41FA5}">
-                      <a16:colId xmlns:a16="http://schemas.microsoft.com/office/drawing/2014/main" val="567274282"/>
-                    </a:ext>
-                  </a:extLst>
-                </a:gridCol>
-                <a:gridCol w="3456384">
-                  <a:extLst>
-                    <a:ext uri="{9D8B030D-6E8A-4147-A177-3AD203B41FA5}">
-                      <a16:colId xmlns:a16="http://schemas.microsoft.com/office/drawing/2014/main" val="4240577183"/>
-                    </a:ext>
-                  </a:extLst>
-                </a:gridCol>
-                <a:gridCol w="851966">
-                  <a:extLst>
-                    <a:ext uri="{9D8B030D-6E8A-4147-A177-3AD203B41FA5}">
-                      <a16:colId xmlns:a16="http://schemas.microsoft.com/office/drawing/2014/main" val="3110937553"/>
-                    </a:ext>
-                  </a:extLst>
-                </a:gridCol>
-              </a:tblGrid>
-              <a:tr h="331258">
-                <a:tc>
-                  <a:txBody>
-                    <a:bodyPr/>
-                    <a:lstStyle/>
-                    <a:p>
-                      <a:pPr latinLnBrk="1"/>
-                      <a:r>
-                        <a:rPr lang="ko-KR" altLang="en-US" dirty="0"/>
-                        <a:t>주차</a:t>
-                      </a:r>
-                    </a:p>
-                  </a:txBody>
-                  <a:tcPr/>
-                </a:tc>
-                <a:tc>
-                  <a:txBody>
-                    <a:bodyPr/>
-                    <a:lstStyle/>
-                    <a:p>
-                      <a:pPr latinLnBrk="1"/>
-                      <a:r>
-                        <a:rPr lang="ko-KR" altLang="en-US" dirty="0"/>
-                        <a:t>계획</a:t>
-                      </a:r>
-                    </a:p>
-                  </a:txBody>
-                  <a:tcPr/>
-                </a:tc>
-                <a:tc>
-                  <a:txBody>
-                    <a:bodyPr/>
-                    <a:lstStyle/>
-                    <a:p>
-                      <a:pPr latinLnBrk="1"/>
-                      <a:r>
-                        <a:rPr lang="ko-KR" altLang="en-US" dirty="0"/>
-                        <a:t>세부 계획</a:t>
-                      </a:r>
-                    </a:p>
-                  </a:txBody>
-                  <a:tcPr/>
-                </a:tc>
-                <a:tc>
-                  <a:txBody>
-                    <a:bodyPr/>
-                    <a:lstStyle/>
-                    <a:p>
-                      <a:pPr latinLnBrk="1"/>
-                      <a:r>
-                        <a:rPr lang="ko-KR" altLang="en-US" dirty="0"/>
-                        <a:t>시행</a:t>
-                      </a:r>
-                    </a:p>
-                  </a:txBody>
-                  <a:tcPr/>
-                </a:tc>
-                <a:extLst>
-                  <a:ext uri="{0D108BD9-81ED-4DB2-BD59-A6C34878D82A}">
-                    <a16:rowId xmlns:a16="http://schemas.microsoft.com/office/drawing/2014/main" val="1771836580"/>
-                  </a:ext>
-                </a:extLst>
-              </a:tr>
-              <a:tr h="745330">
-                <a:tc>
-                  <a:txBody>
-                    <a:bodyPr/>
-                    <a:lstStyle/>
-                    <a:p>
-                      <a:pPr latinLnBrk="1"/>
-                      <a:r>
-                        <a:rPr lang="en-US" altLang="ko-KR" sz="1600" dirty="0"/>
-                        <a:t>1</a:t>
-                      </a:r>
-                      <a:r>
-                        <a:rPr lang="ko-KR" altLang="en-US" sz="1600" dirty="0"/>
-                        <a:t>주 </a:t>
-                      </a:r>
-                      <a:r>
-                        <a:rPr lang="en-US" altLang="ko-KR" sz="1600" dirty="0"/>
-                        <a:t>(4.28~5.4)</a:t>
-                      </a:r>
-                      <a:endParaRPr lang="ko-KR" altLang="en-US" sz="1600" dirty="0"/>
-                    </a:p>
-                  </a:txBody>
-                  <a:tcPr/>
-                </a:tc>
-                <a:tc>
-                  <a:txBody>
-                    <a:bodyPr/>
-                    <a:lstStyle/>
-                    <a:p>
-                      <a:pPr latinLnBrk="1"/>
-                      <a:r>
-                        <a:rPr lang="ko-KR" altLang="en-US" sz="1600" dirty="0"/>
-                        <a:t>파이썬 모듈</a:t>
-                      </a:r>
-                      <a:r>
-                        <a:rPr lang="en-US" altLang="ko-KR" sz="1600" dirty="0"/>
-                        <a:t>, OpenAPI </a:t>
-                      </a:r>
-                      <a:r>
-                        <a:rPr lang="ko-KR" altLang="en-US" sz="1600" dirty="0"/>
-                        <a:t>조사</a:t>
-                      </a:r>
-                      <a:endParaRPr lang="en-US" altLang="ko-KR" sz="1600" dirty="0"/>
-                    </a:p>
-                    <a:p>
-                      <a:pPr latinLnBrk="1"/>
-                      <a:r>
-                        <a:rPr lang="ko-KR" altLang="en-US" sz="1600" dirty="0"/>
-                        <a:t>응용 앱 개발 예시 조사</a:t>
-                      </a:r>
-                    </a:p>
-                  </a:txBody>
-                  <a:tcPr/>
-                </a:tc>
-                <a:tc>
-                  <a:txBody>
-                    <a:bodyPr/>
-                    <a:lstStyle/>
-                    <a:p>
-                      <a:pPr latinLnBrk="1"/>
-                      <a:r>
-                        <a:rPr lang="en-US" altLang="ko-KR" sz="1600" dirty="0"/>
-                        <a:t>Xml </a:t>
-                      </a:r>
-                      <a:r>
-                        <a:rPr lang="ko-KR" altLang="en-US" sz="1600" dirty="0"/>
-                        <a:t>모듈 조사 완료</a:t>
-                      </a:r>
-                      <a:endParaRPr lang="en-US" altLang="ko-KR" sz="1600" dirty="0"/>
-                    </a:p>
-                    <a:p>
-                      <a:pPr latinLnBrk="1"/>
-                      <a:r>
-                        <a:rPr lang="ko-KR" altLang="en-US" sz="1600" dirty="0"/>
-                        <a:t>서울 열린 데이터 광장 활용사례조사</a:t>
-                      </a:r>
-                    </a:p>
-                  </a:txBody>
-                  <a:tcPr/>
-                </a:tc>
-                <a:tc>
-                  <a:txBody>
-                    <a:bodyPr/>
-                    <a:lstStyle/>
-                    <a:p>
-                      <a:pPr latinLnBrk="1"/>
-                      <a:r>
-                        <a:rPr lang="en-US" altLang="ko-KR" sz="1600" dirty="0"/>
-                        <a:t>100%</a:t>
-                      </a:r>
-                      <a:endParaRPr lang="ko-KR" altLang="en-US" sz="1600" dirty="0"/>
-                    </a:p>
-                  </a:txBody>
-                  <a:tcPr/>
-                </a:tc>
-                <a:extLst>
-                  <a:ext uri="{0D108BD9-81ED-4DB2-BD59-A6C34878D82A}">
-                    <a16:rowId xmlns:a16="http://schemas.microsoft.com/office/drawing/2014/main" val="1066783592"/>
-                  </a:ext>
-                </a:extLst>
-              </a:tr>
-              <a:tr h="524491">
-                <a:tc>
-                  <a:txBody>
-                    <a:bodyPr/>
-                    <a:lstStyle/>
-                    <a:p>
-                      <a:pPr latinLnBrk="1"/>
-                      <a:r>
-                        <a:rPr lang="en-US" altLang="ko-KR" sz="1600" dirty="0"/>
-                        <a:t>2</a:t>
-                      </a:r>
-                      <a:r>
-                        <a:rPr lang="ko-KR" altLang="en-US" sz="1600" dirty="0"/>
-                        <a:t>주</a:t>
-                      </a:r>
-                      <a:endParaRPr lang="en-US" altLang="ko-KR" sz="1600" dirty="0"/>
-                    </a:p>
-                    <a:p>
-                      <a:pPr latinLnBrk="1"/>
-                      <a:r>
-                        <a:rPr lang="en-US" altLang="ko-KR" sz="1600" dirty="0"/>
-                        <a:t>(5.5~5.11)</a:t>
-                      </a:r>
-                      <a:endParaRPr lang="ko-KR" altLang="en-US" sz="1600" dirty="0"/>
-                    </a:p>
-                  </a:txBody>
-                  <a:tcPr/>
-                </a:tc>
-                <a:tc>
-                  <a:txBody>
-                    <a:bodyPr/>
-                    <a:lstStyle/>
-                    <a:p>
-                      <a:pPr latinLnBrk="1"/>
-                      <a:r>
-                        <a:rPr lang="ko-KR" altLang="en-US" sz="1600" dirty="0"/>
-                        <a:t>기획발표</a:t>
-                      </a:r>
-                      <a:r>
-                        <a:rPr lang="en-US" altLang="ko-KR" sz="1600" dirty="0"/>
-                        <a:t>5/10</a:t>
-                      </a:r>
-                    </a:p>
-                    <a:p>
-                      <a:pPr latinLnBrk="1"/>
-                      <a:r>
-                        <a:rPr lang="ko-KR" altLang="en-US" sz="1600" dirty="0"/>
-                        <a:t>상세 기능</a:t>
-                      </a:r>
-                      <a:r>
-                        <a:rPr lang="en-US" altLang="ko-KR" sz="1600" dirty="0"/>
-                        <a:t>,</a:t>
-                      </a:r>
-                      <a:r>
-                        <a:rPr lang="en-US" altLang="ko-KR" sz="1600" baseline="0" dirty="0"/>
-                        <a:t> </a:t>
-                      </a:r>
-                      <a:r>
-                        <a:rPr lang="ko-KR" altLang="en-US" sz="1600" baseline="0" dirty="0"/>
-                        <a:t>구현 방법</a:t>
-                      </a:r>
-                      <a:r>
-                        <a:rPr lang="en-US" altLang="ko-KR" sz="1600" baseline="0" dirty="0"/>
-                        <a:t>, </a:t>
-                      </a:r>
-                      <a:r>
-                        <a:rPr lang="ko-KR" altLang="en-US" sz="1600" baseline="0" dirty="0"/>
-                        <a:t>역할 분담 등</a:t>
-                      </a:r>
-                      <a:endParaRPr lang="ko-KR" altLang="en-US" sz="1600" dirty="0"/>
-                    </a:p>
-                  </a:txBody>
-                  <a:tcPr/>
-                </a:tc>
-                <a:tc>
-                  <a:txBody>
-                    <a:bodyPr/>
-                    <a:lstStyle/>
-                    <a:p>
-                      <a:pPr latinLnBrk="1"/>
-                      <a:r>
-                        <a:rPr lang="ko-KR" altLang="en-US" sz="1600" baseline="0" dirty="0"/>
-                        <a:t>기획 발표</a:t>
-                      </a:r>
-                      <a:endParaRPr lang="ko-KR" altLang="en-US" sz="1600" dirty="0"/>
-                    </a:p>
-                  </a:txBody>
-                  <a:tcPr/>
-                </a:tc>
-                <a:tc>
-                  <a:txBody>
-                    <a:bodyPr/>
-                    <a:lstStyle/>
-                    <a:p>
-                      <a:pPr marL="0" marR="0" lvl="0" indent="0" algn="l" defTabSz="914400" rtl="0" eaLnBrk="1" fontAlgn="auto" latinLnBrk="1" hangingPunct="1">
-                        <a:lnSpc>
-                          <a:spcPct val="100000"/>
-                        </a:lnSpc>
-                        <a:spcBef>
-                          <a:spcPts val="0"/>
-                        </a:spcBef>
-                        <a:spcAft>
-                          <a:spcPts val="0"/>
-                        </a:spcAft>
-                        <a:buClrTx/>
-                        <a:buSzTx/>
-                        <a:buFontTx/>
-                        <a:buNone/>
-                        <a:tabLst/>
-                        <a:defRPr/>
-                      </a:pPr>
-                      <a:r>
-                        <a:rPr lang="en-US" altLang="ko-KR" sz="1600" dirty="0"/>
-                        <a:t>100%</a:t>
-                      </a:r>
-                      <a:endParaRPr lang="ko-KR" altLang="en-US" sz="1600" dirty="0"/>
-                    </a:p>
-                    <a:p>
-                      <a:pPr latinLnBrk="1"/>
-                      <a:endParaRPr lang="ko-KR" altLang="en-US" sz="1600" dirty="0"/>
-                    </a:p>
-                  </a:txBody>
-                  <a:tcPr/>
-                </a:tc>
-                <a:extLst>
-                  <a:ext uri="{0D108BD9-81ED-4DB2-BD59-A6C34878D82A}">
-                    <a16:rowId xmlns:a16="http://schemas.microsoft.com/office/drawing/2014/main" val="3181699754"/>
-                  </a:ext>
-                </a:extLst>
-              </a:tr>
-              <a:tr h="524491">
-                <a:tc>
-                  <a:txBody>
-                    <a:bodyPr/>
-                    <a:lstStyle/>
-                    <a:p>
-                      <a:pPr latinLnBrk="1"/>
-                      <a:r>
-                        <a:rPr lang="en-US" altLang="ko-KR" sz="1600" dirty="0"/>
-                        <a:t>3</a:t>
-                      </a:r>
-                      <a:r>
-                        <a:rPr lang="ko-KR" altLang="en-US" sz="1600" dirty="0"/>
-                        <a:t>주</a:t>
-                      </a:r>
-                      <a:endParaRPr lang="en-US" altLang="ko-KR" sz="1600" dirty="0"/>
-                    </a:p>
-                    <a:p>
-                      <a:pPr latinLnBrk="1"/>
-                      <a:r>
-                        <a:rPr lang="en-US" altLang="ko-KR" sz="1600" dirty="0"/>
-                        <a:t>(5.12~5.18)</a:t>
-                      </a:r>
-                      <a:endParaRPr lang="ko-KR" altLang="en-US" sz="1600" dirty="0"/>
-                    </a:p>
-                  </a:txBody>
-                  <a:tcPr/>
-                </a:tc>
-                <a:tc>
-                  <a:txBody>
-                    <a:bodyPr/>
-                    <a:lstStyle/>
-                    <a:p>
-                      <a:pPr latinLnBrk="1"/>
-                      <a:r>
-                        <a:rPr lang="en-US" altLang="ko-KR" sz="1600" dirty="0"/>
-                        <a:t>OpenAPI</a:t>
-                      </a:r>
-                      <a:r>
-                        <a:rPr lang="en-US" altLang="ko-KR" sz="1600" baseline="0" dirty="0"/>
-                        <a:t> </a:t>
-                      </a:r>
-                      <a:r>
-                        <a:rPr lang="ko-KR" altLang="en-US" sz="1600" baseline="0" dirty="0"/>
-                        <a:t>연동</a:t>
-                      </a:r>
-                      <a:r>
-                        <a:rPr lang="en-US" altLang="ko-KR" sz="1600" baseline="0" dirty="0"/>
-                        <a:t> </a:t>
-                      </a:r>
-                      <a:r>
-                        <a:rPr lang="ko-KR" altLang="en-US" sz="1600" baseline="0" dirty="0"/>
-                        <a:t>구현</a:t>
-                      </a:r>
-                      <a:endParaRPr lang="ko-KR" altLang="en-US" sz="1600" dirty="0"/>
-                    </a:p>
-                  </a:txBody>
-                  <a:tcPr/>
-                </a:tc>
-                <a:tc>
-                  <a:txBody>
-                    <a:bodyPr/>
-                    <a:lstStyle/>
-                    <a:p>
-                      <a:pPr latinLnBrk="1"/>
-                      <a:r>
-                        <a:rPr lang="ko-KR" altLang="en-US" sz="1600" dirty="0"/>
-                        <a:t>서울 열린 데이터 광장  </a:t>
-                      </a:r>
-                      <a:r>
-                        <a:rPr lang="en-US" altLang="ko-KR" sz="1600" dirty="0"/>
-                        <a:t>OpenAPI</a:t>
-                      </a:r>
-                      <a:r>
-                        <a:rPr lang="en-US" altLang="ko-KR" sz="1600" baseline="0" dirty="0"/>
-                        <a:t> </a:t>
-                      </a:r>
-                      <a:r>
-                        <a:rPr lang="ko-KR" altLang="en-US" sz="1600" baseline="0" dirty="0"/>
-                        <a:t>활용</a:t>
-                      </a:r>
-                      <a:endParaRPr lang="ko-KR" altLang="en-US" sz="1600" dirty="0"/>
-                    </a:p>
-                  </a:txBody>
-                  <a:tcPr/>
-                </a:tc>
-                <a:tc>
-                  <a:txBody>
-                    <a:bodyPr/>
-                    <a:lstStyle/>
-                    <a:p>
-                      <a:pPr marL="0" marR="0" lvl="0" indent="0" algn="l" defTabSz="914400" rtl="0" eaLnBrk="1" fontAlgn="auto" latinLnBrk="1" hangingPunct="1">
-                        <a:lnSpc>
-                          <a:spcPct val="100000"/>
-                        </a:lnSpc>
-                        <a:spcBef>
-                          <a:spcPts val="0"/>
-                        </a:spcBef>
-                        <a:spcAft>
-                          <a:spcPts val="0"/>
-                        </a:spcAft>
-                        <a:buClrTx/>
-                        <a:buSzTx/>
-                        <a:buFontTx/>
-                        <a:buNone/>
-                        <a:tabLst/>
-                        <a:defRPr/>
-                      </a:pPr>
-                      <a:r>
-                        <a:rPr lang="en-US" altLang="ko-KR" sz="1600" dirty="0"/>
-                        <a:t>100%</a:t>
-                      </a:r>
-                      <a:endParaRPr lang="ko-KR" altLang="en-US" sz="1600" dirty="0"/>
-                    </a:p>
-                    <a:p>
-                      <a:pPr latinLnBrk="1"/>
-                      <a:endParaRPr lang="ko-KR" altLang="en-US" sz="1600" dirty="0"/>
-                    </a:p>
-                  </a:txBody>
-                  <a:tcPr/>
-                </a:tc>
-                <a:extLst>
-                  <a:ext uri="{0D108BD9-81ED-4DB2-BD59-A6C34878D82A}">
-                    <a16:rowId xmlns:a16="http://schemas.microsoft.com/office/drawing/2014/main" val="3969082127"/>
-                  </a:ext>
-                </a:extLst>
-              </a:tr>
-              <a:tr h="427561">
-                <a:tc>
-                  <a:txBody>
-                    <a:bodyPr/>
-                    <a:lstStyle/>
-                    <a:p>
-                      <a:pPr latinLnBrk="1"/>
-                      <a:r>
-                        <a:rPr lang="en-US" altLang="ko-KR" sz="1600" dirty="0"/>
-                        <a:t>4</a:t>
-                      </a:r>
-                      <a:r>
-                        <a:rPr lang="ko-KR" altLang="en-US" sz="1600" dirty="0"/>
-                        <a:t>주</a:t>
-                      </a:r>
-                      <a:endParaRPr lang="en-US" altLang="ko-KR" sz="1600" dirty="0"/>
-                    </a:p>
-                    <a:p>
-                      <a:pPr latinLnBrk="1"/>
-                      <a:r>
-                        <a:rPr lang="en-US" altLang="ko-KR" sz="1600" dirty="0"/>
-                        <a:t>(5.19~5.25)</a:t>
-                      </a:r>
-                      <a:endParaRPr lang="ko-KR" altLang="en-US" sz="1600" dirty="0"/>
-                    </a:p>
-                  </a:txBody>
-                  <a:tcPr/>
-                </a:tc>
-                <a:tc>
-                  <a:txBody>
-                    <a:bodyPr/>
-                    <a:lstStyle/>
-                    <a:p>
-                      <a:pPr latinLnBrk="1"/>
-                      <a:r>
-                        <a:rPr lang="ko-KR" altLang="en-US" sz="1600" baseline="0" dirty="0"/>
-                        <a:t>다양한 검색 기능 구현</a:t>
-                      </a:r>
-                      <a:endParaRPr lang="ko-KR" altLang="en-US" sz="1600" dirty="0"/>
-                    </a:p>
-                  </a:txBody>
-                  <a:tcPr/>
-                </a:tc>
-                <a:tc>
-                  <a:txBody>
-                    <a:bodyPr/>
-                    <a:lstStyle/>
-                    <a:p>
-                      <a:pPr marL="0" marR="0" indent="0" algn="l" defTabSz="914400" rtl="0" eaLnBrk="1" fontAlgn="auto" latinLnBrk="1" hangingPunct="1">
-                        <a:lnSpc>
-                          <a:spcPct val="100000"/>
-                        </a:lnSpc>
-                        <a:spcBef>
-                          <a:spcPts val="0"/>
-                        </a:spcBef>
-                        <a:spcAft>
-                          <a:spcPts val="0"/>
-                        </a:spcAft>
-                        <a:buClrTx/>
-                        <a:buSzTx/>
-                        <a:buFontTx/>
-                        <a:buNone/>
-                        <a:tabLst/>
-                        <a:defRPr/>
-                      </a:pPr>
-                      <a:r>
-                        <a:rPr lang="ko-KR" altLang="en-US" sz="1600" dirty="0"/>
-                        <a:t>문화행사 검색</a:t>
-                      </a:r>
-                      <a:r>
-                        <a:rPr lang="en-US" altLang="ko-KR" sz="1600" dirty="0"/>
-                        <a:t>, </a:t>
-                      </a:r>
-                      <a:r>
-                        <a:rPr lang="ko-KR" altLang="en-US" sz="1600" dirty="0"/>
-                        <a:t>예약 바로가기 서비스 문화시설 교통편 검색</a:t>
-                      </a:r>
-                    </a:p>
-                  </a:txBody>
-                  <a:tcPr/>
-                </a:tc>
-                <a:tc>
-                  <a:txBody>
-                    <a:bodyPr/>
-                    <a:lstStyle/>
-                    <a:p>
-                      <a:pPr marL="0" marR="0" lvl="0" indent="0" algn="l" defTabSz="914400" rtl="0" eaLnBrk="1" fontAlgn="auto" latinLnBrk="1" hangingPunct="1">
-                        <a:lnSpc>
-                          <a:spcPct val="100000"/>
-                        </a:lnSpc>
-                        <a:spcBef>
-                          <a:spcPts val="0"/>
-                        </a:spcBef>
-                        <a:spcAft>
-                          <a:spcPts val="0"/>
-                        </a:spcAft>
-                        <a:buClrTx/>
-                        <a:buSzTx/>
-                        <a:buFontTx/>
-                        <a:buNone/>
-                        <a:tabLst/>
-                        <a:defRPr/>
-                      </a:pPr>
-                      <a:r>
-                        <a:rPr lang="en-US" altLang="ko-KR" sz="1600" dirty="0"/>
-                        <a:t>100%</a:t>
-                      </a:r>
-                      <a:endParaRPr lang="ko-KR" altLang="en-US" sz="1600" dirty="0"/>
-                    </a:p>
-                    <a:p>
-                      <a:pPr latinLnBrk="1"/>
-                      <a:endParaRPr lang="ko-KR" altLang="en-US" sz="1600" dirty="0"/>
-                    </a:p>
-                  </a:txBody>
-                  <a:tcPr/>
-                </a:tc>
-                <a:extLst>
-                  <a:ext uri="{0D108BD9-81ED-4DB2-BD59-A6C34878D82A}">
-                    <a16:rowId xmlns:a16="http://schemas.microsoft.com/office/drawing/2014/main" val="3079507104"/>
-                  </a:ext>
-                </a:extLst>
-              </a:tr>
-              <a:tr h="524491">
-                <a:tc>
-                  <a:txBody>
-                    <a:bodyPr/>
-                    <a:lstStyle/>
-                    <a:p>
-                      <a:pPr latinLnBrk="1"/>
-                      <a:r>
-                        <a:rPr lang="en-US" altLang="ko-KR" sz="1600" dirty="0"/>
-                        <a:t>5</a:t>
-                      </a:r>
-                      <a:r>
-                        <a:rPr lang="ko-KR" altLang="en-US" sz="1600" dirty="0"/>
-                        <a:t>주</a:t>
-                      </a:r>
-                      <a:endParaRPr lang="en-US" altLang="ko-KR" sz="1600" dirty="0"/>
-                    </a:p>
-                    <a:p>
-                      <a:pPr latinLnBrk="1"/>
-                      <a:r>
-                        <a:rPr lang="en-US" altLang="ko-KR" sz="1600" dirty="0"/>
-                        <a:t>(5.26~6.1)</a:t>
-                      </a:r>
-                      <a:endParaRPr lang="ko-KR" altLang="en-US" sz="1600" dirty="0"/>
-                    </a:p>
-                  </a:txBody>
-                  <a:tcPr/>
-                </a:tc>
-                <a:tc gridSpan="2">
-                  <a:txBody>
-                    <a:bodyPr/>
-                    <a:lstStyle/>
-                    <a:p>
-                      <a:pPr algn="ctr" latinLnBrk="1"/>
-                      <a:r>
-                        <a:rPr lang="ko-KR" altLang="en-US" sz="1600" dirty="0"/>
-                        <a:t>중간 발표 </a:t>
-                      </a:r>
-                      <a:r>
-                        <a:rPr lang="en-US" altLang="ko-KR" sz="1600" dirty="0"/>
-                        <a:t>5/31</a:t>
-                      </a:r>
-                      <a:endParaRPr lang="ko-KR" altLang="en-US" sz="1600" b="1" dirty="0">
-                        <a:solidFill>
-                          <a:srgbClr val="FF0000"/>
-                        </a:solidFill>
-                      </a:endParaRPr>
-                    </a:p>
-                  </a:txBody>
-                  <a:tcPr/>
-                </a:tc>
-                <a:tc hMerge="1">
-                  <a:txBody>
-                    <a:bodyPr/>
-                    <a:lstStyle/>
-                    <a:p>
-                      <a:pPr latinLnBrk="1"/>
-                      <a:endParaRPr lang="ko-KR" altLang="en-US" sz="1600" dirty="0"/>
-                    </a:p>
-                  </a:txBody>
-                  <a:tcPr/>
-                </a:tc>
-                <a:tc>
-                  <a:txBody>
-                    <a:bodyPr/>
-                    <a:lstStyle/>
-                    <a:p>
-                      <a:pPr latinLnBrk="1"/>
-                      <a:endParaRPr lang="ko-KR" altLang="en-US" sz="1600" dirty="0"/>
-                    </a:p>
-                  </a:txBody>
-                  <a:tcPr/>
-                </a:tc>
-                <a:extLst>
-                  <a:ext uri="{0D108BD9-81ED-4DB2-BD59-A6C34878D82A}">
-                    <a16:rowId xmlns:a16="http://schemas.microsoft.com/office/drawing/2014/main" val="94333453"/>
-                  </a:ext>
-                </a:extLst>
-              </a:tr>
-              <a:tr h="462750">
-                <a:tc>
-                  <a:txBody>
-                    <a:bodyPr/>
-                    <a:lstStyle/>
-                    <a:p>
-                      <a:pPr latinLnBrk="1"/>
-                      <a:r>
-                        <a:rPr lang="en-US" altLang="ko-KR" sz="1600" dirty="0"/>
-                        <a:t>6</a:t>
-                      </a:r>
-                      <a:r>
-                        <a:rPr lang="ko-KR" altLang="en-US" sz="1600" dirty="0"/>
-                        <a:t>주</a:t>
-                      </a:r>
-                      <a:endParaRPr lang="en-US" altLang="ko-KR" sz="1600" dirty="0"/>
-                    </a:p>
-                    <a:p>
-                      <a:pPr latinLnBrk="1"/>
-                      <a:r>
-                        <a:rPr lang="en-US" altLang="ko-KR" sz="1600" dirty="0"/>
-                        <a:t>(6.2~6.8)</a:t>
-                      </a:r>
-                      <a:endParaRPr lang="ko-KR" altLang="en-US" sz="1600" dirty="0"/>
-                    </a:p>
-                  </a:txBody>
-                  <a:tcPr/>
-                </a:tc>
-                <a:tc>
-                  <a:txBody>
-                    <a:bodyPr/>
-                    <a:lstStyle/>
-                    <a:p>
-                      <a:pPr marL="0" marR="0" indent="0" algn="l" defTabSz="914400" rtl="0" eaLnBrk="1" fontAlgn="auto" latinLnBrk="1" hangingPunct="1">
-                        <a:lnSpc>
-                          <a:spcPct val="100000"/>
-                        </a:lnSpc>
-                        <a:spcBef>
-                          <a:spcPts val="0"/>
-                        </a:spcBef>
-                        <a:spcAft>
-                          <a:spcPts val="0"/>
-                        </a:spcAft>
-                        <a:buClrTx/>
-                        <a:buSzTx/>
-                        <a:buFontTx/>
-                        <a:buNone/>
-                        <a:tabLst/>
-                        <a:defRPr/>
-                      </a:pPr>
-                      <a:r>
-                        <a:rPr lang="en-US" altLang="ko-KR" sz="1600" dirty="0"/>
-                        <a:t>tkinter GUI </a:t>
-                      </a:r>
-                      <a:r>
-                        <a:rPr lang="ko-KR" altLang="en-US" sz="1600" dirty="0"/>
-                        <a:t>구현</a:t>
-                      </a:r>
-                      <a:r>
-                        <a:rPr lang="en-US" altLang="ko-KR" sz="1600" dirty="0"/>
-                        <a:t>, </a:t>
-                      </a:r>
-                      <a:r>
-                        <a:rPr lang="ko-KR" altLang="en-US" sz="1600" dirty="0"/>
-                        <a:t>포스터 출력</a:t>
-                      </a:r>
-                    </a:p>
-                  </a:txBody>
-                  <a:tcPr/>
-                </a:tc>
-                <a:tc>
-                  <a:txBody>
-                    <a:bodyPr/>
-                    <a:lstStyle/>
-                    <a:p>
-                      <a:pPr latinLnBrk="1"/>
-                      <a:r>
-                        <a:rPr lang="ko-KR" altLang="en-US" sz="1600" dirty="0"/>
-                        <a:t>포스터  출력 기능 구현</a:t>
-                      </a:r>
-                    </a:p>
-                  </a:txBody>
-                  <a:tcPr/>
-                </a:tc>
-                <a:tc>
-                  <a:txBody>
-                    <a:bodyPr/>
-                    <a:lstStyle/>
-                    <a:p>
-                      <a:pPr latinLnBrk="1"/>
-                      <a:endParaRPr lang="ko-KR" altLang="en-US" sz="1600" dirty="0"/>
-                    </a:p>
-                  </a:txBody>
-                  <a:tcPr/>
-                </a:tc>
-                <a:extLst>
-                  <a:ext uri="{0D108BD9-81ED-4DB2-BD59-A6C34878D82A}">
-                    <a16:rowId xmlns:a16="http://schemas.microsoft.com/office/drawing/2014/main" val="3155219568"/>
-                  </a:ext>
-                </a:extLst>
-              </a:tr>
-              <a:tr h="524491">
-                <a:tc>
-                  <a:txBody>
-                    <a:bodyPr/>
-                    <a:lstStyle/>
-                    <a:p>
-                      <a:pPr latinLnBrk="1"/>
-                      <a:r>
-                        <a:rPr lang="en-US" altLang="ko-KR" sz="1600" dirty="0"/>
-                        <a:t>7</a:t>
-                      </a:r>
-                      <a:r>
-                        <a:rPr lang="ko-KR" altLang="en-US" sz="1600" dirty="0"/>
-                        <a:t>주</a:t>
-                      </a:r>
-                      <a:endParaRPr lang="en-US" altLang="ko-KR" sz="1600" dirty="0"/>
-                    </a:p>
-                    <a:p>
-                      <a:pPr latinLnBrk="1"/>
-                      <a:r>
-                        <a:rPr lang="en-US" altLang="ko-KR" sz="1600" dirty="0"/>
-                        <a:t>(6.9~6.15)</a:t>
-                      </a:r>
-                      <a:endParaRPr lang="ko-KR" altLang="en-US" sz="1600" dirty="0"/>
-                    </a:p>
-                  </a:txBody>
-                  <a:tcPr/>
-                </a:tc>
-                <a:tc>
-                  <a:txBody>
-                    <a:bodyPr/>
-                    <a:lstStyle/>
-                    <a:p>
-                      <a:pPr marL="0" marR="0" indent="0" algn="l" defTabSz="914400" rtl="0" eaLnBrk="1" fontAlgn="auto" latinLnBrk="1" hangingPunct="1">
-                        <a:lnSpc>
-                          <a:spcPct val="100000"/>
-                        </a:lnSpc>
-                        <a:spcBef>
-                          <a:spcPts val="0"/>
-                        </a:spcBef>
-                        <a:spcAft>
-                          <a:spcPts val="0"/>
-                        </a:spcAft>
-                        <a:buClrTx/>
-                        <a:buSzTx/>
-                        <a:buFontTx/>
-                        <a:buNone/>
-                        <a:tabLst/>
-                        <a:defRPr/>
-                      </a:pPr>
-                      <a:r>
-                        <a:rPr lang="ko-KR" altLang="en-US" sz="1600" baseline="0" dirty="0"/>
-                        <a:t>이메일 </a:t>
-                      </a:r>
-                      <a:endParaRPr lang="ko-KR" altLang="en-US" sz="1600" dirty="0"/>
-                    </a:p>
-                  </a:txBody>
-                  <a:tcPr/>
-                </a:tc>
-                <a:tc>
-                  <a:txBody>
-                    <a:bodyPr/>
-                    <a:lstStyle/>
-                    <a:p>
-                      <a:pPr latinLnBrk="1"/>
-                      <a:r>
-                        <a:rPr lang="ko-KR" altLang="en-US" sz="1600" dirty="0"/>
-                        <a:t>이 메일 등 추가 기능 구현</a:t>
-                      </a:r>
-                    </a:p>
-                  </a:txBody>
-                  <a:tcPr/>
-                </a:tc>
-                <a:tc>
-                  <a:txBody>
-                    <a:bodyPr/>
-                    <a:lstStyle/>
-                    <a:p>
-                      <a:pPr latinLnBrk="1"/>
-                      <a:endParaRPr lang="ko-KR" altLang="en-US" sz="1600" dirty="0"/>
-                    </a:p>
-                  </a:txBody>
-                  <a:tcPr/>
-                </a:tc>
-                <a:extLst>
-                  <a:ext uri="{0D108BD9-81ED-4DB2-BD59-A6C34878D82A}">
-                    <a16:rowId xmlns:a16="http://schemas.microsoft.com/office/drawing/2014/main" val="1083539043"/>
-                  </a:ext>
-                </a:extLst>
-              </a:tr>
-              <a:tr h="635217">
-                <a:tc>
-                  <a:txBody>
-                    <a:bodyPr/>
-                    <a:lstStyle/>
-                    <a:p>
-                      <a:pPr latinLnBrk="1"/>
-                      <a:r>
-                        <a:rPr lang="en-US" altLang="ko-KR" sz="1600" dirty="0"/>
-                        <a:t>8</a:t>
-                      </a:r>
-                      <a:r>
-                        <a:rPr lang="ko-KR" altLang="en-US" sz="1600" dirty="0"/>
-                        <a:t>주</a:t>
-                      </a:r>
-                      <a:endParaRPr lang="en-US" altLang="ko-KR" sz="1600" dirty="0"/>
-                    </a:p>
-                    <a:p>
-                      <a:pPr latinLnBrk="1"/>
-                      <a:r>
-                        <a:rPr lang="en-US" altLang="ko-KR" sz="1600" dirty="0"/>
-                        <a:t>(6.16~6.22)</a:t>
-                      </a:r>
-                      <a:endParaRPr lang="ko-KR" altLang="en-US" sz="1600" dirty="0"/>
-                    </a:p>
-                  </a:txBody>
-                  <a:tcPr/>
-                </a:tc>
-                <a:tc>
-                  <a:txBody>
-                    <a:bodyPr/>
-                    <a:lstStyle/>
-                    <a:p>
-                      <a:pPr latinLnBrk="1"/>
-                      <a:r>
-                        <a:rPr lang="ko-KR" altLang="en-US" sz="1600" dirty="0"/>
-                        <a:t>배포파일작성</a:t>
-                      </a:r>
-                      <a:r>
-                        <a:rPr lang="en-US" altLang="ko-KR" sz="1600" dirty="0"/>
-                        <a:t>,</a:t>
-                      </a:r>
-                      <a:r>
-                        <a:rPr lang="en-US" altLang="ko-KR" sz="1600" baseline="0" dirty="0"/>
-                        <a:t> </a:t>
-                      </a:r>
-                    </a:p>
-                    <a:p>
-                      <a:pPr latinLnBrk="1"/>
-                      <a:r>
-                        <a:rPr lang="ko-KR" altLang="en-US" sz="1600" dirty="0"/>
-                        <a:t>최종구현 발표</a:t>
-                      </a:r>
-                      <a:r>
-                        <a:rPr lang="en-US" altLang="ko-KR" sz="1600" dirty="0"/>
-                        <a:t> 6/14</a:t>
-                      </a:r>
-                      <a:endParaRPr lang="ko-KR" altLang="en-US" sz="1600" b="1" dirty="0">
-                        <a:solidFill>
-                          <a:srgbClr val="FF0000"/>
-                        </a:solidFill>
-                      </a:endParaRPr>
-                    </a:p>
-                  </a:txBody>
-                  <a:tcPr/>
-                </a:tc>
-                <a:tc>
-                  <a:txBody>
-                    <a:bodyPr/>
-                    <a:lstStyle/>
-                    <a:p>
-                      <a:pPr latinLnBrk="1"/>
-                      <a:r>
-                        <a:rPr lang="ko-KR" altLang="en-US" sz="1600" baseline="0" dirty="0"/>
-                        <a:t>배포파일</a:t>
-                      </a:r>
-                      <a:endParaRPr lang="en-US" altLang="ko-KR" sz="1600" baseline="0" dirty="0"/>
-                    </a:p>
-                    <a:p>
-                      <a:pPr latinLnBrk="1"/>
-                      <a:r>
-                        <a:rPr lang="en-US" altLang="ko-KR" sz="1600" dirty="0"/>
-                        <a:t>YouTube</a:t>
-                      </a:r>
-                      <a:r>
-                        <a:rPr lang="en-US" altLang="ko-KR" sz="1600" baseline="0" dirty="0"/>
-                        <a:t> </a:t>
-                      </a:r>
-                      <a:r>
-                        <a:rPr lang="ko-KR" altLang="en-US" sz="1600" baseline="0" dirty="0"/>
-                        <a:t>활용</a:t>
-                      </a:r>
-                      <a:r>
-                        <a:rPr lang="en-US" altLang="ko-KR" sz="1600" baseline="0" dirty="0"/>
-                        <a:t> </a:t>
-                      </a:r>
-                      <a:r>
-                        <a:rPr lang="ko-KR" altLang="en-US" sz="1600" baseline="0" dirty="0"/>
-                        <a:t>최종 시연 발표</a:t>
-                      </a:r>
-                      <a:endParaRPr lang="ko-KR" altLang="en-US" sz="1600" dirty="0"/>
-                    </a:p>
-                  </a:txBody>
-                  <a:tcPr/>
-                </a:tc>
-                <a:tc>
-                  <a:txBody>
-                    <a:bodyPr/>
-                    <a:lstStyle/>
-                    <a:p>
-                      <a:pPr latinLnBrk="1"/>
-                      <a:endParaRPr lang="ko-KR" altLang="en-US" sz="1600" dirty="0"/>
-                    </a:p>
-                  </a:txBody>
-                  <a:tcPr/>
-                </a:tc>
-                <a:extLst>
-                  <a:ext uri="{0D108BD9-81ED-4DB2-BD59-A6C34878D82A}">
-                    <a16:rowId xmlns:a16="http://schemas.microsoft.com/office/drawing/2014/main" val="746666000"/>
-                  </a:ext>
-                </a:extLst>
-              </a:tr>
-            </a:tbl>
-          </a:graphicData>
-        </a:graphic>
-      </p:graphicFrame>
+        </p:nvSpPr>
+        <p:spPr/>
+        <p:txBody>
+          <a:bodyPr/>
+          <a:lstStyle/>
+          <a:p>
+            <a:pPr marL="109728" indent="0">
+              <a:buNone/>
+            </a:pPr>
+            <a:endParaRPr lang="ko-KR" altLang="en-US" dirty="0"/>
+          </a:p>
+        </p:txBody>
+      </p:sp>
     </p:spTree>
+    <p:extLst>
+      <p:ext uri="{BB962C8B-B14F-4D97-AF65-F5344CB8AC3E}">
+        <p14:creationId xmlns:p14="http://schemas.microsoft.com/office/powerpoint/2010/main" val="2694652954"/>
+      </p:ext>
+    </p:extLst>
   </p:cSld>
   <p:clrMapOvr>
     <a:masterClrMapping/>
